--- a/设计/应用服务框架.pptx
+++ b/设计/应用服务框架.pptx
@@ -266,7 +266,7 @@
             <a:fld id="{9C077826-86DD-41C8-8293-643F14F7E329}" type="datetimeFigureOut">
               <a:rPr lang="zh-CN" altLang="en-US" smtClean="0"/>
               <a:pPr/>
-              <a:t>2022/2/10</a:t>
+              <a:t>2022/2/11</a:t>
             </a:fld>
             <a:endParaRPr lang="zh-CN" altLang="en-US"/>
           </a:p>
@@ -5438,7 +5438,7 @@
             <a:fld id="{47C9B81F-C347-4BEF-BFDF-29C42F48304A}" type="datetimeFigureOut">
               <a:rPr lang="en-US" smtClean="0"/>
               <a:pPr/>
-              <a:t>2/10/2022</a:t>
+              <a:t>2/11/2022</a:t>
             </a:fld>
             <a:endParaRPr lang="en-US" dirty="0"/>
           </a:p>
@@ -5605,7 +5605,7 @@
             <a:fld id="{47C9B81F-C347-4BEF-BFDF-29C42F48304A}" type="datetimeFigureOut">
               <a:rPr lang="en-US" smtClean="0"/>
               <a:pPr/>
-              <a:t>2/10/2022</a:t>
+              <a:t>2/11/2022</a:t>
             </a:fld>
             <a:endParaRPr lang="en-US" dirty="0"/>
           </a:p>
@@ -5782,7 +5782,7 @@
             <a:fld id="{47C9B81F-C347-4BEF-BFDF-29C42F48304A}" type="datetimeFigureOut">
               <a:rPr lang="en-US" smtClean="0"/>
               <a:pPr/>
-              <a:t>2/10/2022</a:t>
+              <a:t>2/11/2022</a:t>
             </a:fld>
             <a:endParaRPr lang="en-US" dirty="0"/>
           </a:p>
@@ -5949,7 +5949,7 @@
             <a:fld id="{47C9B81F-C347-4BEF-BFDF-29C42F48304A}" type="datetimeFigureOut">
               <a:rPr lang="en-US" smtClean="0"/>
               <a:pPr/>
-              <a:t>2/10/2022</a:t>
+              <a:t>2/11/2022</a:t>
             </a:fld>
             <a:endParaRPr lang="en-US" dirty="0"/>
           </a:p>
@@ -6193,7 +6193,7 @@
             <a:fld id="{47C9B81F-C347-4BEF-BFDF-29C42F48304A}" type="datetimeFigureOut">
               <a:rPr lang="en-US" smtClean="0"/>
               <a:pPr/>
-              <a:t>2/10/2022</a:t>
+              <a:t>2/11/2022</a:t>
             </a:fld>
             <a:endParaRPr lang="en-US" dirty="0"/>
           </a:p>
@@ -6459,7 +6459,7 @@
             <a:fld id="{47C9B81F-C347-4BEF-BFDF-29C42F48304A}" type="datetimeFigureOut">
               <a:rPr lang="en-US" smtClean="0"/>
               <a:pPr/>
-              <a:t>2/10/2022</a:t>
+              <a:t>2/11/2022</a:t>
             </a:fld>
             <a:endParaRPr lang="en-US" dirty="0"/>
           </a:p>
@@ -6839,7 +6839,7 @@
             <a:fld id="{47C9B81F-C347-4BEF-BFDF-29C42F48304A}" type="datetimeFigureOut">
               <a:rPr lang="en-US" smtClean="0"/>
               <a:pPr/>
-              <a:t>2/10/2022</a:t>
+              <a:t>2/11/2022</a:t>
             </a:fld>
             <a:endParaRPr lang="en-US" dirty="0"/>
           </a:p>
@@ -6991,7 +6991,7 @@
             <a:fld id="{47C9B81F-C347-4BEF-BFDF-29C42F48304A}" type="datetimeFigureOut">
               <a:rPr lang="en-US" smtClean="0"/>
               <a:pPr/>
-              <a:t>2/10/2022</a:t>
+              <a:t>2/11/2022</a:t>
             </a:fld>
             <a:endParaRPr lang="en-US" dirty="0"/>
           </a:p>
@@ -7083,7 +7083,7 @@
             <a:fld id="{47C9B81F-C347-4BEF-BFDF-29C42F48304A}" type="datetimeFigureOut">
               <a:rPr lang="en-US" smtClean="0"/>
               <a:pPr/>
-              <a:t>2/10/2022</a:t>
+              <a:t>2/11/2022</a:t>
             </a:fld>
             <a:endParaRPr lang="en-US" dirty="0"/>
           </a:p>
@@ -7346,7 +7346,7 @@
             <a:fld id="{47C9B81F-C347-4BEF-BFDF-29C42F48304A}" type="datetimeFigureOut">
               <a:rPr lang="en-US" smtClean="0"/>
               <a:pPr/>
-              <a:t>2/10/2022</a:t>
+              <a:t>2/11/2022</a:t>
             </a:fld>
             <a:endParaRPr lang="en-US" dirty="0"/>
           </a:p>
@@ -7636,7 +7636,7 @@
             <a:fld id="{47C9B81F-C347-4BEF-BFDF-29C42F48304A}" type="datetimeFigureOut">
               <a:rPr lang="en-US" smtClean="0"/>
               <a:pPr/>
-              <a:t>2/10/2022</a:t>
+              <a:t>2/11/2022</a:t>
             </a:fld>
             <a:endParaRPr lang="en-US" dirty="0"/>
           </a:p>
@@ -8409,7 +8409,7 @@
             <a:fld id="{47C9B81F-C347-4BEF-BFDF-29C42F48304A}" type="datetimeFigureOut">
               <a:rPr lang="en-US" smtClean="0"/>
               <a:pPr/>
-              <a:t>2/10/2022</a:t>
+              <a:t>2/11/2022</a:t>
             </a:fld>
             <a:endParaRPr lang="en-US" dirty="0">
               <a:solidFill>
@@ -9381,7 +9381,7 @@
           <a:graphicData uri="http://schemas.openxmlformats.org/presentationml/2006/ole">
             <mc:AlternateContent xmlns:mc="http://schemas.openxmlformats.org/markup-compatibility/2006">
               <mc:Choice xmlns:v="urn:schemas-microsoft-com:vml" Requires="v">
-                <p:oleObj spid="_x0000_s142471" name="Visio" r:id="rId4" imgW="6057990" imgH="3266985" progId="Visio.Drawing.11">
+                <p:oleObj spid="_x0000_s142473" name="Visio" r:id="rId4" imgW="6057990" imgH="3266985" progId="Visio.Drawing.11">
                   <p:embed/>
                 </p:oleObj>
               </mc:Choice>
@@ -9814,7 +9814,7 @@
           <a:graphicData uri="http://schemas.openxmlformats.org/presentationml/2006/ole">
             <mc:AlternateContent xmlns:mc="http://schemas.openxmlformats.org/markup-compatibility/2006">
               <mc:Choice xmlns:v="urn:schemas-microsoft-com:vml" Requires="v">
-                <p:oleObj spid="_x0000_s144403" name="Visio" r:id="rId4" imgW="7822980" imgH="5260226" progId="Visio.Drawing.11">
+                <p:oleObj spid="_x0000_s144405" name="Visio" r:id="rId4" imgW="7822980" imgH="5260226" progId="Visio.Drawing.11">
                   <p:embed/>
                 </p:oleObj>
               </mc:Choice>
@@ -9929,7 +9929,7 @@
           <a:graphicData uri="http://schemas.openxmlformats.org/presentationml/2006/ole">
             <mc:AlternateContent xmlns:mc="http://schemas.openxmlformats.org/markup-compatibility/2006">
               <mc:Choice xmlns:v="urn:schemas-microsoft-com:vml" Requires="v">
-                <p:oleObj spid="_x0000_s145410" name="Visio" r:id="rId4" imgW="9150840" imgH="5209816" progId="Visio.Drawing.11">
+                <p:oleObj spid="_x0000_s145412" name="Visio" r:id="rId4" imgW="9150840" imgH="5209816" progId="Visio.Drawing.11">
                   <p:embed/>
                 </p:oleObj>
               </mc:Choice>
@@ -11978,7 +11978,7 @@
           <a:graphicData uri="http://schemas.openxmlformats.org/presentationml/2006/ole">
             <mc:AlternateContent xmlns:mc="http://schemas.openxmlformats.org/markup-compatibility/2006">
               <mc:Choice xmlns:v="urn:schemas-microsoft-com:vml" Requires="v">
-                <p:oleObj spid="_x0000_s71845" name="Visio" r:id="rId3" imgW="6124651" imgH="4092796" progId="Visio.Drawing.11">
+                <p:oleObj spid="_x0000_s71847" name="Visio" r:id="rId3" imgW="6124651" imgH="4092796" progId="Visio.Drawing.11">
                   <p:embed/>
                 </p:oleObj>
               </mc:Choice>
@@ -12144,7 +12144,7 @@
           <a:graphicData uri="http://schemas.openxmlformats.org/presentationml/2006/ole">
             <mc:AlternateContent xmlns:mc="http://schemas.openxmlformats.org/markup-compatibility/2006">
               <mc:Choice xmlns:v="urn:schemas-microsoft-com:vml" Requires="v">
-                <p:oleObj spid="_x0000_s72867" name="Visio" r:id="rId3" imgW="6124651" imgH="4092796" progId="Visio.Drawing.11">
+                <p:oleObj spid="_x0000_s72869" name="Visio" r:id="rId3" imgW="6124651" imgH="4092796" progId="Visio.Drawing.11">
                   <p:embed/>
                 </p:oleObj>
               </mc:Choice>
@@ -12306,7 +12306,7 @@
           <a:graphicData uri="http://schemas.openxmlformats.org/presentationml/2006/ole">
             <mc:AlternateContent xmlns:mc="http://schemas.openxmlformats.org/markup-compatibility/2006">
               <mc:Choice xmlns:v="urn:schemas-microsoft-com:vml" Requires="v">
-                <p:oleObj spid="_x0000_s73891" name="Visio" r:id="rId4" imgW="6124651" imgH="4092796" progId="Visio.Drawing.11">
+                <p:oleObj spid="_x0000_s73893" name="Visio" r:id="rId4" imgW="6124651" imgH="4092796" progId="Visio.Drawing.11">
                   <p:embed/>
                 </p:oleObj>
               </mc:Choice>
@@ -12503,7 +12503,7 @@
           <a:graphicData uri="http://schemas.openxmlformats.org/presentationml/2006/ole">
             <mc:AlternateContent xmlns:mc="http://schemas.openxmlformats.org/markup-compatibility/2006">
               <mc:Choice xmlns:v="urn:schemas-microsoft-com:vml" Requires="v">
-                <p:oleObj spid="_x0000_s74915" name="Visio" r:id="rId4" imgW="6124651" imgH="4092796" progId="Visio.Drawing.11">
+                <p:oleObj spid="_x0000_s74917" name="Visio" r:id="rId4" imgW="6124651" imgH="4092796" progId="Visio.Drawing.11">
                   <p:embed/>
                 </p:oleObj>
               </mc:Choice>
@@ -12686,7 +12686,7 @@
           <a:graphicData uri="http://schemas.openxmlformats.org/presentationml/2006/ole">
             <mc:AlternateContent xmlns:mc="http://schemas.openxmlformats.org/markup-compatibility/2006">
               <mc:Choice xmlns:v="urn:schemas-microsoft-com:vml" Requires="v">
-                <p:oleObj spid="_x0000_s76963" name="Visio" r:id="rId4" imgW="6124651" imgH="4092796" progId="Visio.Drawing.11">
+                <p:oleObj spid="_x0000_s76965" name="Visio" r:id="rId4" imgW="6124651" imgH="4092796" progId="Visio.Drawing.11">
                   <p:embed/>
                 </p:oleObj>
               </mc:Choice>
@@ -12877,7 +12877,7 @@
           <a:graphicData uri="http://schemas.openxmlformats.org/presentationml/2006/ole">
             <mc:AlternateContent xmlns:mc="http://schemas.openxmlformats.org/markup-compatibility/2006">
               <mc:Choice xmlns:v="urn:schemas-microsoft-com:vml" Requires="v">
-                <p:oleObj spid="_x0000_s80035" name="Visio" r:id="rId4" imgW="6124651" imgH="4092796" progId="Visio.Drawing.11">
+                <p:oleObj spid="_x0000_s80037" name="Visio" r:id="rId4" imgW="6124651" imgH="4092796" progId="Visio.Drawing.11">
                   <p:embed/>
                 </p:oleObj>
               </mc:Choice>
@@ -13063,7 +13063,7 @@
           <a:graphicData uri="http://schemas.openxmlformats.org/presentationml/2006/ole">
             <mc:AlternateContent xmlns:mc="http://schemas.openxmlformats.org/markup-compatibility/2006">
               <mc:Choice xmlns:v="urn:schemas-microsoft-com:vml" Requires="v">
-                <p:oleObj spid="_x0000_s81059" name="Visio" r:id="rId4" imgW="6124651" imgH="4092796" progId="Visio.Drawing.11">
+                <p:oleObj spid="_x0000_s81061" name="Visio" r:id="rId4" imgW="6124651" imgH="4092796" progId="Visio.Drawing.11">
                   <p:embed/>
                 </p:oleObj>
               </mc:Choice>
@@ -13837,7 +13837,7 @@
           <a:graphicData uri="http://schemas.openxmlformats.org/presentationml/2006/ole">
             <mc:AlternateContent xmlns:mc="http://schemas.openxmlformats.org/markup-compatibility/2006">
               <mc:Choice xmlns:v="urn:schemas-microsoft-com:vml" Requires="v">
-                <p:oleObj spid="_x0000_s82084" name="Visio" r:id="rId4" imgW="6124410" imgH="4092695" progId="Visio.Drawing.11">
+                <p:oleObj spid="_x0000_s82086" name="Visio" r:id="rId4" imgW="6124410" imgH="4092695" progId="Visio.Drawing.11">
                   <p:embed/>
                 </p:oleObj>
               </mc:Choice>
@@ -15293,7 +15293,13 @@
       </p:sp>
       <p:pic>
         <p:nvPicPr>
-          <p:cNvPr id="4" name="图片 3"/>
+          <p:cNvPr id="4" name="图片 3">
+            <a:extLst>
+              <a:ext uri="{FF2B5EF4-FFF2-40B4-BE49-F238E27FC236}">
+                <a16:creationId xmlns:a16="http://schemas.microsoft.com/office/drawing/2014/main" id="{BF3E8FD2-2FCC-4753-A9F7-06A299C8F618}"/>
+              </a:ext>
+            </a:extLst>
+          </p:cNvPr>
           <p:cNvPicPr>
             <a:picLocks noChangeAspect="1"/>
           </p:cNvPicPr>
@@ -15307,8 +15313,8 @@
         </p:blipFill>
         <p:spPr>
           <a:xfrm>
-            <a:off x="107504" y="1124744"/>
-            <a:ext cx="8784976" cy="5472608"/>
+            <a:off x="18281" y="1628800"/>
+            <a:ext cx="9144000" cy="4274617"/>
           </a:xfrm>
           <a:prstGeom prst="rect">
             <a:avLst/>
@@ -17262,7 +17268,7 @@
           <a:graphicData uri="http://schemas.openxmlformats.org/presentationml/2006/ole">
             <mc:AlternateContent xmlns:mc="http://schemas.openxmlformats.org/markup-compatibility/2006">
               <mc:Choice xmlns:v="urn:schemas-microsoft-com:vml" Requires="v">
-                <p:oleObj spid="_x0000_s2214" name="Visio" r:id="rId4" imgW="9858510" imgH="5943600" progId="Visio.Drawing.11">
+                <p:oleObj spid="_x0000_s2216" name="Visio" r:id="rId4" imgW="9858510" imgH="5943600" progId="Visio.Drawing.11">
                   <p:embed/>
                 </p:oleObj>
               </mc:Choice>
@@ -17969,7 +17975,7 @@
           <a:graphicData uri="http://schemas.openxmlformats.org/presentationml/2006/ole">
             <mc:AlternateContent xmlns:mc="http://schemas.openxmlformats.org/markup-compatibility/2006">
               <mc:Choice xmlns:v="urn:schemas-microsoft-com:vml" Requires="v">
-                <p:oleObj spid="_x0000_s140599" name="Visio" r:id="rId4" imgW="6124651" imgH="4092796" progId="Visio.Drawing.11">
+                <p:oleObj spid="_x0000_s140601" name="Visio" r:id="rId4" imgW="6124651" imgH="4092796" progId="Visio.Drawing.11">
                   <p:embed/>
                 </p:oleObj>
               </mc:Choice>
@@ -20145,7 +20151,7 @@
           <a:graphicData uri="http://schemas.openxmlformats.org/presentationml/2006/ole">
             <mc:AlternateContent xmlns:mc="http://schemas.openxmlformats.org/markup-compatibility/2006">
               <mc:Choice xmlns:v="urn:schemas-microsoft-com:vml" Requires="v">
-                <p:oleObj spid="_x0000_s141472" name="Visio" r:id="rId4" imgW="6124410" imgH="4092695" progId="Visio.Drawing.11">
+                <p:oleObj spid="_x0000_s141474" name="Visio" r:id="rId4" imgW="6124410" imgH="4092695" progId="Visio.Drawing.11">
                   <p:embed/>
                 </p:oleObj>
               </mc:Choice>

--- a/设计/应用服务框架.pptx
+++ b/设计/应用服务框架.pptx
@@ -9381,7 +9381,7 @@
           <a:graphicData uri="http://schemas.openxmlformats.org/presentationml/2006/ole">
             <mc:AlternateContent xmlns:mc="http://schemas.openxmlformats.org/markup-compatibility/2006">
               <mc:Choice xmlns:v="urn:schemas-microsoft-com:vml" Requires="v">
-                <p:oleObj spid="_x0000_s142473" name="Visio" r:id="rId4" imgW="6057990" imgH="3266985" progId="Visio.Drawing.11">
+                <p:oleObj spid="_x0000_s142474" name="Visio" r:id="rId4" imgW="6057990" imgH="3266985" progId="Visio.Drawing.11">
                   <p:embed/>
                 </p:oleObj>
               </mc:Choice>
@@ -9814,7 +9814,7 @@
           <a:graphicData uri="http://schemas.openxmlformats.org/presentationml/2006/ole">
             <mc:AlternateContent xmlns:mc="http://schemas.openxmlformats.org/markup-compatibility/2006">
               <mc:Choice xmlns:v="urn:schemas-microsoft-com:vml" Requires="v">
-                <p:oleObj spid="_x0000_s144405" name="Visio" r:id="rId4" imgW="7822980" imgH="5260226" progId="Visio.Drawing.11">
+                <p:oleObj spid="_x0000_s144406" name="Visio" r:id="rId4" imgW="7822980" imgH="5260226" progId="Visio.Drawing.11">
                   <p:embed/>
                 </p:oleObj>
               </mc:Choice>
@@ -9929,7 +9929,7 @@
           <a:graphicData uri="http://schemas.openxmlformats.org/presentationml/2006/ole">
             <mc:AlternateContent xmlns:mc="http://schemas.openxmlformats.org/markup-compatibility/2006">
               <mc:Choice xmlns:v="urn:schemas-microsoft-com:vml" Requires="v">
-                <p:oleObj spid="_x0000_s145412" name="Visio" r:id="rId4" imgW="9150840" imgH="5209816" progId="Visio.Drawing.11">
+                <p:oleObj spid="_x0000_s145413" name="Visio" r:id="rId4" imgW="9150840" imgH="5209816" progId="Visio.Drawing.11">
                   <p:embed/>
                 </p:oleObj>
               </mc:Choice>
@@ -11978,7 +11978,7 @@
           <a:graphicData uri="http://schemas.openxmlformats.org/presentationml/2006/ole">
             <mc:AlternateContent xmlns:mc="http://schemas.openxmlformats.org/markup-compatibility/2006">
               <mc:Choice xmlns:v="urn:schemas-microsoft-com:vml" Requires="v">
-                <p:oleObj spid="_x0000_s71847" name="Visio" r:id="rId3" imgW="6124651" imgH="4092796" progId="Visio.Drawing.11">
+                <p:oleObj spid="_x0000_s71848" name="Visio" r:id="rId3" imgW="6124651" imgH="4092796" progId="Visio.Drawing.11">
                   <p:embed/>
                 </p:oleObj>
               </mc:Choice>
@@ -12144,7 +12144,7 @@
           <a:graphicData uri="http://schemas.openxmlformats.org/presentationml/2006/ole">
             <mc:AlternateContent xmlns:mc="http://schemas.openxmlformats.org/markup-compatibility/2006">
               <mc:Choice xmlns:v="urn:schemas-microsoft-com:vml" Requires="v">
-                <p:oleObj spid="_x0000_s72869" name="Visio" r:id="rId3" imgW="6124651" imgH="4092796" progId="Visio.Drawing.11">
+                <p:oleObj spid="_x0000_s72870" name="Visio" r:id="rId3" imgW="6124651" imgH="4092796" progId="Visio.Drawing.11">
                   <p:embed/>
                 </p:oleObj>
               </mc:Choice>
@@ -12306,7 +12306,7 @@
           <a:graphicData uri="http://schemas.openxmlformats.org/presentationml/2006/ole">
             <mc:AlternateContent xmlns:mc="http://schemas.openxmlformats.org/markup-compatibility/2006">
               <mc:Choice xmlns:v="urn:schemas-microsoft-com:vml" Requires="v">
-                <p:oleObj spid="_x0000_s73893" name="Visio" r:id="rId4" imgW="6124651" imgH="4092796" progId="Visio.Drawing.11">
+                <p:oleObj spid="_x0000_s73894" name="Visio" r:id="rId4" imgW="6124651" imgH="4092796" progId="Visio.Drawing.11">
                   <p:embed/>
                 </p:oleObj>
               </mc:Choice>
@@ -12503,7 +12503,7 @@
           <a:graphicData uri="http://schemas.openxmlformats.org/presentationml/2006/ole">
             <mc:AlternateContent xmlns:mc="http://schemas.openxmlformats.org/markup-compatibility/2006">
               <mc:Choice xmlns:v="urn:schemas-microsoft-com:vml" Requires="v">
-                <p:oleObj spid="_x0000_s74917" name="Visio" r:id="rId4" imgW="6124651" imgH="4092796" progId="Visio.Drawing.11">
+                <p:oleObj spid="_x0000_s74918" name="Visio" r:id="rId4" imgW="6124651" imgH="4092796" progId="Visio.Drawing.11">
                   <p:embed/>
                 </p:oleObj>
               </mc:Choice>
@@ -12686,7 +12686,7 @@
           <a:graphicData uri="http://schemas.openxmlformats.org/presentationml/2006/ole">
             <mc:AlternateContent xmlns:mc="http://schemas.openxmlformats.org/markup-compatibility/2006">
               <mc:Choice xmlns:v="urn:schemas-microsoft-com:vml" Requires="v">
-                <p:oleObj spid="_x0000_s76965" name="Visio" r:id="rId4" imgW="6124651" imgH="4092796" progId="Visio.Drawing.11">
+                <p:oleObj spid="_x0000_s76966" name="Visio" r:id="rId4" imgW="6124651" imgH="4092796" progId="Visio.Drawing.11">
                   <p:embed/>
                 </p:oleObj>
               </mc:Choice>
@@ -12877,7 +12877,7 @@
           <a:graphicData uri="http://schemas.openxmlformats.org/presentationml/2006/ole">
             <mc:AlternateContent xmlns:mc="http://schemas.openxmlformats.org/markup-compatibility/2006">
               <mc:Choice xmlns:v="urn:schemas-microsoft-com:vml" Requires="v">
-                <p:oleObj spid="_x0000_s80037" name="Visio" r:id="rId4" imgW="6124651" imgH="4092796" progId="Visio.Drawing.11">
+                <p:oleObj spid="_x0000_s80038" name="Visio" r:id="rId4" imgW="6124651" imgH="4092796" progId="Visio.Drawing.11">
                   <p:embed/>
                 </p:oleObj>
               </mc:Choice>
@@ -13063,7 +13063,7 @@
           <a:graphicData uri="http://schemas.openxmlformats.org/presentationml/2006/ole">
             <mc:AlternateContent xmlns:mc="http://schemas.openxmlformats.org/markup-compatibility/2006">
               <mc:Choice xmlns:v="urn:schemas-microsoft-com:vml" Requires="v">
-                <p:oleObj spid="_x0000_s81061" name="Visio" r:id="rId4" imgW="6124651" imgH="4092796" progId="Visio.Drawing.11">
+                <p:oleObj spid="_x0000_s81062" name="Visio" r:id="rId4" imgW="6124651" imgH="4092796" progId="Visio.Drawing.11">
                   <p:embed/>
                 </p:oleObj>
               </mc:Choice>
@@ -13498,7 +13498,13 @@
       </p:sp>
       <p:pic>
         <p:nvPicPr>
-          <p:cNvPr id="3" name="图片 2"/>
+          <p:cNvPr id="5" name="图片 4">
+            <a:extLst>
+              <a:ext uri="{FF2B5EF4-FFF2-40B4-BE49-F238E27FC236}">
+                <a16:creationId xmlns:a16="http://schemas.microsoft.com/office/drawing/2014/main" id="{555C3E51-F99F-4EA6-8B11-E387676A1311}"/>
+              </a:ext>
+            </a:extLst>
+          </p:cNvPr>
           <p:cNvPicPr>
             <a:picLocks noChangeAspect="1"/>
           </p:cNvPicPr>
@@ -13512,8 +13518,8 @@
         </p:blipFill>
         <p:spPr>
           <a:xfrm>
-            <a:off x="179512" y="1196752"/>
-            <a:ext cx="8964489" cy="5245601"/>
+            <a:off x="0" y="1495167"/>
+            <a:ext cx="9144000" cy="5174193"/>
           </a:xfrm>
           <a:prstGeom prst="rect">
             <a:avLst/>
@@ -13837,7 +13843,7 @@
           <a:graphicData uri="http://schemas.openxmlformats.org/presentationml/2006/ole">
             <mc:AlternateContent xmlns:mc="http://schemas.openxmlformats.org/markup-compatibility/2006">
               <mc:Choice xmlns:v="urn:schemas-microsoft-com:vml" Requires="v">
-                <p:oleObj spid="_x0000_s82086" name="Visio" r:id="rId4" imgW="6124410" imgH="4092695" progId="Visio.Drawing.11">
+                <p:oleObj spid="_x0000_s82087" name="Visio" r:id="rId4" imgW="6124410" imgH="4092695" progId="Visio.Drawing.11">
                   <p:embed/>
                 </p:oleObj>
               </mc:Choice>
@@ -17268,7 +17274,7 @@
           <a:graphicData uri="http://schemas.openxmlformats.org/presentationml/2006/ole">
             <mc:AlternateContent xmlns:mc="http://schemas.openxmlformats.org/markup-compatibility/2006">
               <mc:Choice xmlns:v="urn:schemas-microsoft-com:vml" Requires="v">
-                <p:oleObj spid="_x0000_s2216" name="Visio" r:id="rId4" imgW="9858510" imgH="5943600" progId="Visio.Drawing.11">
+                <p:oleObj spid="_x0000_s2217" name="Visio" r:id="rId4" imgW="9858510" imgH="5943600" progId="Visio.Drawing.11">
                   <p:embed/>
                 </p:oleObj>
               </mc:Choice>
@@ -17975,7 +17981,7 @@
           <a:graphicData uri="http://schemas.openxmlformats.org/presentationml/2006/ole">
             <mc:AlternateContent xmlns:mc="http://schemas.openxmlformats.org/markup-compatibility/2006">
               <mc:Choice xmlns:v="urn:schemas-microsoft-com:vml" Requires="v">
-                <p:oleObj spid="_x0000_s140601" name="Visio" r:id="rId4" imgW="6124651" imgH="4092796" progId="Visio.Drawing.11">
+                <p:oleObj spid="_x0000_s140602" name="Visio" r:id="rId4" imgW="6124651" imgH="4092796" progId="Visio.Drawing.11">
                   <p:embed/>
                 </p:oleObj>
               </mc:Choice>
@@ -20151,7 +20157,7 @@
           <a:graphicData uri="http://schemas.openxmlformats.org/presentationml/2006/ole">
             <mc:AlternateContent xmlns:mc="http://schemas.openxmlformats.org/markup-compatibility/2006">
               <mc:Choice xmlns:v="urn:schemas-microsoft-com:vml" Requires="v">
-                <p:oleObj spid="_x0000_s141474" name="Visio" r:id="rId4" imgW="6124410" imgH="4092695" progId="Visio.Drawing.11">
+                <p:oleObj spid="_x0000_s141475" name="Visio" r:id="rId4" imgW="6124410" imgH="4092695" progId="Visio.Drawing.11">
                   <p:embed/>
                 </p:oleObj>
               </mc:Choice>

--- a/设计/应用服务框架.pptx
+++ b/设计/应用服务框架.pptx
@@ -5,7 +5,7 @@
     <p:sldMasterId id="2147483660" r:id="rId1"/>
   </p:sldMasterIdLst>
   <p:notesMasterIdLst>
-    <p:notesMasterId r:id="rId60"/>
+    <p:notesMasterId r:id="rId61"/>
   </p:notesMasterIdLst>
   <p:sldIdLst>
     <p:sldId id="275" r:id="rId2"/>
@@ -47,25 +47,26 @@
     <p:sldId id="329" r:id="rId38"/>
     <p:sldId id="300" r:id="rId39"/>
     <p:sldId id="325" r:id="rId40"/>
-    <p:sldId id="328" r:id="rId41"/>
-    <p:sldId id="331" r:id="rId42"/>
-    <p:sldId id="330" r:id="rId43"/>
-    <p:sldId id="334" r:id="rId44"/>
-    <p:sldId id="335" r:id="rId45"/>
-    <p:sldId id="326" r:id="rId46"/>
-    <p:sldId id="327" r:id="rId47"/>
-    <p:sldId id="332" r:id="rId48"/>
-    <p:sldId id="344" r:id="rId49"/>
-    <p:sldId id="345" r:id="rId50"/>
-    <p:sldId id="302" r:id="rId51"/>
-    <p:sldId id="304" r:id="rId52"/>
-    <p:sldId id="305" r:id="rId53"/>
-    <p:sldId id="306" r:id="rId54"/>
-    <p:sldId id="307" r:id="rId55"/>
-    <p:sldId id="308" r:id="rId56"/>
-    <p:sldId id="311" r:id="rId57"/>
-    <p:sldId id="339" r:id="rId58"/>
-    <p:sldId id="333" r:id="rId59"/>
+    <p:sldId id="347" r:id="rId41"/>
+    <p:sldId id="328" r:id="rId42"/>
+    <p:sldId id="331" r:id="rId43"/>
+    <p:sldId id="330" r:id="rId44"/>
+    <p:sldId id="334" r:id="rId45"/>
+    <p:sldId id="335" r:id="rId46"/>
+    <p:sldId id="326" r:id="rId47"/>
+    <p:sldId id="327" r:id="rId48"/>
+    <p:sldId id="332" r:id="rId49"/>
+    <p:sldId id="344" r:id="rId50"/>
+    <p:sldId id="345" r:id="rId51"/>
+    <p:sldId id="302" r:id="rId52"/>
+    <p:sldId id="304" r:id="rId53"/>
+    <p:sldId id="305" r:id="rId54"/>
+    <p:sldId id="306" r:id="rId55"/>
+    <p:sldId id="307" r:id="rId56"/>
+    <p:sldId id="308" r:id="rId57"/>
+    <p:sldId id="311" r:id="rId58"/>
+    <p:sldId id="339" r:id="rId59"/>
+    <p:sldId id="333" r:id="rId60"/>
   </p:sldIdLst>
   <p:sldSz cx="9144000" cy="6858000" type="screen4x3"/>
   <p:notesSz cx="6858000" cy="9144000"/>
@@ -266,7 +267,7 @@
             <a:fld id="{9C077826-86DD-41C8-8293-643F14F7E329}" type="datetimeFigureOut">
               <a:rPr lang="zh-CN" altLang="en-US" smtClean="0"/>
               <a:pPr/>
-              <a:t>2022/2/11</a:t>
+              <a:t>2022/6/21</a:t>
             </a:fld>
             <a:endParaRPr lang="zh-CN" altLang="en-US"/>
           </a:p>
@@ -2810,7 +2811,7 @@
     </p:spTree>
     <p:extLst>
       <p:ext uri="{BB962C8B-B14F-4D97-AF65-F5344CB8AC3E}">
-        <p14:creationId xmlns:p14="http://schemas.microsoft.com/office/powerpoint/2010/main" val="1469018876"/>
+        <p14:creationId xmlns:p14="http://schemas.microsoft.com/office/powerpoint/2010/main" val="2436585672"/>
       </p:ext>
     </p:extLst>
   </p:cSld>
@@ -2984,7 +2985,7 @@
     </p:spTree>
     <p:extLst>
       <p:ext uri="{BB962C8B-B14F-4D97-AF65-F5344CB8AC3E}">
-        <p14:creationId xmlns:p14="http://schemas.microsoft.com/office/powerpoint/2010/main" val="1169640716"/>
+        <p14:creationId xmlns:p14="http://schemas.microsoft.com/office/powerpoint/2010/main" val="1469018876"/>
       </p:ext>
     </p:extLst>
   </p:cSld>
@@ -3071,7 +3072,7 @@
     </p:spTree>
     <p:extLst>
       <p:ext uri="{BB962C8B-B14F-4D97-AF65-F5344CB8AC3E}">
-        <p14:creationId xmlns:p14="http://schemas.microsoft.com/office/powerpoint/2010/main" val="884646867"/>
+        <p14:creationId xmlns:p14="http://schemas.microsoft.com/office/powerpoint/2010/main" val="1169640716"/>
       </p:ext>
     </p:extLst>
   </p:cSld>
@@ -3158,7 +3159,7 @@
     </p:spTree>
     <p:extLst>
       <p:ext uri="{BB962C8B-B14F-4D97-AF65-F5344CB8AC3E}">
-        <p14:creationId xmlns:p14="http://schemas.microsoft.com/office/powerpoint/2010/main" val="1153460393"/>
+        <p14:creationId xmlns:p14="http://schemas.microsoft.com/office/powerpoint/2010/main" val="884646867"/>
       </p:ext>
     </p:extLst>
   </p:cSld>
@@ -3245,7 +3246,7 @@
     </p:spTree>
     <p:extLst>
       <p:ext uri="{BB962C8B-B14F-4D97-AF65-F5344CB8AC3E}">
-        <p14:creationId xmlns:p14="http://schemas.microsoft.com/office/powerpoint/2010/main" val="2700122044"/>
+        <p14:creationId xmlns:p14="http://schemas.microsoft.com/office/powerpoint/2010/main" val="1153460393"/>
       </p:ext>
     </p:extLst>
   </p:cSld>
@@ -3332,7 +3333,7 @@
     </p:spTree>
     <p:extLst>
       <p:ext uri="{BB962C8B-B14F-4D97-AF65-F5344CB8AC3E}">
-        <p14:creationId xmlns:p14="http://schemas.microsoft.com/office/powerpoint/2010/main" val="1804119022"/>
+        <p14:creationId xmlns:p14="http://schemas.microsoft.com/office/powerpoint/2010/main" val="2700122044"/>
       </p:ext>
     </p:extLst>
   </p:cSld>
@@ -3419,7 +3420,7 @@
     </p:spTree>
     <p:extLst>
       <p:ext uri="{BB962C8B-B14F-4D97-AF65-F5344CB8AC3E}">
-        <p14:creationId xmlns:p14="http://schemas.microsoft.com/office/powerpoint/2010/main" val="2610381766"/>
+        <p14:creationId xmlns:p14="http://schemas.microsoft.com/office/powerpoint/2010/main" val="1804119022"/>
       </p:ext>
     </p:extLst>
   </p:cSld>
@@ -3497,7 +3498,7 @@
             <a:fld id="{8498A86D-9ECD-4590-BE35-F8644ED56572}" type="slidenum">
               <a:rPr lang="zh-CN" altLang="en-US" smtClean="0"/>
               <a:pPr/>
-              <a:t>50</a:t>
+              <a:t>47</a:t>
             </a:fld>
             <a:endParaRPr lang="zh-CN" altLang="en-US"/>
           </a:p>
@@ -3506,7 +3507,7 @@
     </p:spTree>
     <p:extLst>
       <p:ext uri="{BB962C8B-B14F-4D97-AF65-F5344CB8AC3E}">
-        <p14:creationId xmlns:p14="http://schemas.microsoft.com/office/powerpoint/2010/main" val="2653945138"/>
+        <p14:creationId xmlns:p14="http://schemas.microsoft.com/office/powerpoint/2010/main" val="2610381766"/>
       </p:ext>
     </p:extLst>
   </p:cSld>
@@ -3593,7 +3594,7 @@
     </p:spTree>
     <p:extLst>
       <p:ext uri="{BB962C8B-B14F-4D97-AF65-F5344CB8AC3E}">
-        <p14:creationId xmlns:p14="http://schemas.microsoft.com/office/powerpoint/2010/main" val="884399776"/>
+        <p14:creationId xmlns:p14="http://schemas.microsoft.com/office/powerpoint/2010/main" val="2653945138"/>
       </p:ext>
     </p:extLst>
   </p:cSld>
@@ -3680,7 +3681,7 @@
     </p:spTree>
     <p:extLst>
       <p:ext uri="{BB962C8B-B14F-4D97-AF65-F5344CB8AC3E}">
-        <p14:creationId xmlns:p14="http://schemas.microsoft.com/office/powerpoint/2010/main" val="958290899"/>
+        <p14:creationId xmlns:p14="http://schemas.microsoft.com/office/powerpoint/2010/main" val="884399776"/>
       </p:ext>
     </p:extLst>
   </p:cSld>
@@ -3767,7 +3768,7 @@
     </p:spTree>
     <p:extLst>
       <p:ext uri="{BB962C8B-B14F-4D97-AF65-F5344CB8AC3E}">
-        <p14:creationId xmlns:p14="http://schemas.microsoft.com/office/powerpoint/2010/main" val="4268889660"/>
+        <p14:creationId xmlns:p14="http://schemas.microsoft.com/office/powerpoint/2010/main" val="958290899"/>
       </p:ext>
     </p:extLst>
   </p:cSld>
@@ -3941,7 +3942,7 @@
     </p:spTree>
     <p:extLst>
       <p:ext uri="{BB962C8B-B14F-4D97-AF65-F5344CB8AC3E}">
-        <p14:creationId xmlns:p14="http://schemas.microsoft.com/office/powerpoint/2010/main" val="2645317279"/>
+        <p14:creationId xmlns:p14="http://schemas.microsoft.com/office/powerpoint/2010/main" val="4268889660"/>
       </p:ext>
     </p:extLst>
   </p:cSld>
@@ -4028,7 +4029,7 @@
     </p:spTree>
     <p:extLst>
       <p:ext uri="{BB962C8B-B14F-4D97-AF65-F5344CB8AC3E}">
-        <p14:creationId xmlns:p14="http://schemas.microsoft.com/office/powerpoint/2010/main" val="399088446"/>
+        <p14:creationId xmlns:p14="http://schemas.microsoft.com/office/powerpoint/2010/main" val="2645317279"/>
       </p:ext>
     </p:extLst>
   </p:cSld>
@@ -4084,86 +4085,6 @@
           </a:bodyPr>
           <a:lstStyle/>
           <a:p>
-            <a:r>
-              <a:rPr lang="zh-CN" altLang="en-US" dirty="0"/>
-              <a:t>柜面前置使用</a:t>
-            </a:r>
-            <a:r>
-              <a:rPr lang="en-US" altLang="zh-CN" dirty="0"/>
-              <a:t>tuxedo</a:t>
-            </a:r>
-            <a:r>
-              <a:rPr lang="zh-CN" altLang="en-US" dirty="0"/>
-              <a:t>，前置代码和</a:t>
-            </a:r>
-            <a:r>
-              <a:rPr lang="en-US" altLang="zh-CN" dirty="0"/>
-              <a:t>BPU</a:t>
-            </a:r>
-            <a:r>
-              <a:rPr lang="zh-CN" altLang="en-US" dirty="0"/>
-              <a:t>的代码类似</a:t>
-            </a:r>
-            <a:endParaRPr lang="en-US" altLang="zh-CN" dirty="0"/>
-          </a:p>
-          <a:p>
-            <a:r>
-              <a:rPr lang="zh-CN" altLang="en-US" dirty="0"/>
-              <a:t>渠道前置使用</a:t>
-            </a:r>
-            <a:r>
-              <a:rPr lang="en-US" altLang="zh-CN" dirty="0"/>
-              <a:t>FPC</a:t>
-            </a:r>
-            <a:r>
-              <a:rPr lang="zh-CN" altLang="en-US" dirty="0"/>
-              <a:t>和</a:t>
-            </a:r>
-            <a:r>
-              <a:rPr lang="en-US" altLang="zh-CN" dirty="0"/>
-              <a:t>FPU</a:t>
-            </a:r>
-          </a:p>
-          <a:p>
-            <a:r>
-              <a:rPr lang="zh-CN" altLang="en-US" dirty="0"/>
-              <a:t>代理金服务、报表服务、公共服务、实物金服务使用</a:t>
-            </a:r>
-            <a:r>
-              <a:rPr lang="en-US" altLang="zh-CN" dirty="0"/>
-              <a:t>BPC+JAVA</a:t>
-            </a:r>
-          </a:p>
-          <a:p>
-            <a:r>
-              <a:rPr lang="zh-CN" altLang="en-US" dirty="0"/>
-              <a:t>风控服务使用</a:t>
-            </a:r>
-            <a:r>
-              <a:rPr lang="en-US" altLang="zh-CN" dirty="0"/>
-              <a:t>BPC+</a:t>
-            </a:r>
-            <a:r>
-              <a:rPr lang="en-US" altLang="zh-CN" baseline="0" dirty="0"/>
-              <a:t>BPU+</a:t>
-            </a:r>
-            <a:r>
-              <a:rPr lang="zh-CN" altLang="en-US" baseline="0" dirty="0"/>
-              <a:t>风控</a:t>
-            </a:r>
-            <a:endParaRPr lang="en-US" altLang="zh-CN" baseline="0" dirty="0"/>
-          </a:p>
-          <a:p>
-            <a:r>
-              <a:rPr lang="zh-CN" altLang="en-US" baseline="0" dirty="0"/>
-              <a:t>核心前置、文件服务、监控服务使用</a:t>
-            </a:r>
-            <a:r>
-              <a:rPr lang="en-US" altLang="zh-CN" baseline="0" dirty="0"/>
-              <a:t>BPC+BPU</a:t>
-            </a:r>
-          </a:p>
-          <a:p>
             <a:endParaRPr lang="zh-CN" altLang="en-US" dirty="0"/>
           </a:p>
         </p:txBody>
@@ -4195,7 +4116,7 @@
     </p:spTree>
     <p:extLst>
       <p:ext uri="{BB962C8B-B14F-4D97-AF65-F5344CB8AC3E}">
-        <p14:creationId xmlns:p14="http://schemas.microsoft.com/office/powerpoint/2010/main" val="2331656125"/>
+        <p14:creationId xmlns:p14="http://schemas.microsoft.com/office/powerpoint/2010/main" val="399088446"/>
       </p:ext>
     </p:extLst>
   </p:cSld>
@@ -4251,6 +4172,86 @@
           </a:bodyPr>
           <a:lstStyle/>
           <a:p>
+            <a:r>
+              <a:rPr lang="zh-CN" altLang="en-US" dirty="0"/>
+              <a:t>柜面前置使用</a:t>
+            </a:r>
+            <a:r>
+              <a:rPr lang="en-US" altLang="zh-CN" dirty="0"/>
+              <a:t>tuxedo</a:t>
+            </a:r>
+            <a:r>
+              <a:rPr lang="zh-CN" altLang="en-US" dirty="0"/>
+              <a:t>，前置代码和</a:t>
+            </a:r>
+            <a:r>
+              <a:rPr lang="en-US" altLang="zh-CN" dirty="0"/>
+              <a:t>BPU</a:t>
+            </a:r>
+            <a:r>
+              <a:rPr lang="zh-CN" altLang="en-US" dirty="0"/>
+              <a:t>的代码类似</a:t>
+            </a:r>
+            <a:endParaRPr lang="en-US" altLang="zh-CN" dirty="0"/>
+          </a:p>
+          <a:p>
+            <a:r>
+              <a:rPr lang="zh-CN" altLang="en-US" dirty="0"/>
+              <a:t>渠道前置使用</a:t>
+            </a:r>
+            <a:r>
+              <a:rPr lang="en-US" altLang="zh-CN" dirty="0"/>
+              <a:t>FPC</a:t>
+            </a:r>
+            <a:r>
+              <a:rPr lang="zh-CN" altLang="en-US" dirty="0"/>
+              <a:t>和</a:t>
+            </a:r>
+            <a:r>
+              <a:rPr lang="en-US" altLang="zh-CN" dirty="0"/>
+              <a:t>FPU</a:t>
+            </a:r>
+          </a:p>
+          <a:p>
+            <a:r>
+              <a:rPr lang="zh-CN" altLang="en-US" dirty="0"/>
+              <a:t>代理金服务、报表服务、公共服务、实物金服务使用</a:t>
+            </a:r>
+            <a:r>
+              <a:rPr lang="en-US" altLang="zh-CN" dirty="0"/>
+              <a:t>BPC+JAVA</a:t>
+            </a:r>
+          </a:p>
+          <a:p>
+            <a:r>
+              <a:rPr lang="zh-CN" altLang="en-US" dirty="0"/>
+              <a:t>风控服务使用</a:t>
+            </a:r>
+            <a:r>
+              <a:rPr lang="en-US" altLang="zh-CN" dirty="0"/>
+              <a:t>BPC+</a:t>
+            </a:r>
+            <a:r>
+              <a:rPr lang="en-US" altLang="zh-CN" baseline="0" dirty="0"/>
+              <a:t>BPU+</a:t>
+            </a:r>
+            <a:r>
+              <a:rPr lang="zh-CN" altLang="en-US" baseline="0" dirty="0"/>
+              <a:t>风控</a:t>
+            </a:r>
+            <a:endParaRPr lang="en-US" altLang="zh-CN" baseline="0" dirty="0"/>
+          </a:p>
+          <a:p>
+            <a:r>
+              <a:rPr lang="zh-CN" altLang="en-US" baseline="0" dirty="0"/>
+              <a:t>核心前置、文件服务、监控服务使用</a:t>
+            </a:r>
+            <a:r>
+              <a:rPr lang="en-US" altLang="zh-CN" baseline="0" dirty="0"/>
+              <a:t>BPC+BPU</a:t>
+            </a:r>
+          </a:p>
+          <a:p>
             <a:endParaRPr lang="zh-CN" altLang="en-US" dirty="0"/>
           </a:p>
         </p:txBody>
@@ -4282,7 +4283,7 @@
     </p:spTree>
     <p:extLst>
       <p:ext uri="{BB962C8B-B14F-4D97-AF65-F5344CB8AC3E}">
-        <p14:creationId xmlns:p14="http://schemas.microsoft.com/office/powerpoint/2010/main" val="2239398296"/>
+        <p14:creationId xmlns:p14="http://schemas.microsoft.com/office/powerpoint/2010/main" val="2331656125"/>
       </p:ext>
     </p:extLst>
   </p:cSld>
@@ -4361,6 +4362,93 @@
               <a:rPr lang="zh-CN" altLang="en-US" smtClean="0"/>
               <a:pPr/>
               <a:t>58</a:t>
+            </a:fld>
+            <a:endParaRPr lang="zh-CN" altLang="en-US"/>
+          </a:p>
+        </p:txBody>
+      </p:sp>
+    </p:spTree>
+    <p:extLst>
+      <p:ext uri="{BB962C8B-B14F-4D97-AF65-F5344CB8AC3E}">
+        <p14:creationId xmlns:p14="http://schemas.microsoft.com/office/powerpoint/2010/main" val="2239398296"/>
+      </p:ext>
+    </p:extLst>
+  </p:cSld>
+  <p:clrMapOvr>
+    <a:masterClrMapping/>
+  </p:clrMapOvr>
+</p:notes>
+</file>
+
+<file path=ppt/notesSlides/notesSlide45.xml><?xml version="1.0" encoding="utf-8"?>
+<p:notes xmlns:a="http://schemas.openxmlformats.org/drawingml/2006/main" xmlns:r="http://schemas.openxmlformats.org/officeDocument/2006/relationships" xmlns:p="http://schemas.openxmlformats.org/presentationml/2006/main">
+  <p:cSld>
+    <p:spTree>
+      <p:nvGrpSpPr>
+        <p:cNvPr id="1" name=""/>
+        <p:cNvGrpSpPr/>
+        <p:nvPr/>
+      </p:nvGrpSpPr>
+      <p:grpSpPr>
+        <a:xfrm>
+          <a:off x="0" y="0"/>
+          <a:ext cx="0" cy="0"/>
+          <a:chOff x="0" y="0"/>
+          <a:chExt cx="0" cy="0"/>
+        </a:xfrm>
+      </p:grpSpPr>
+      <p:sp>
+        <p:nvSpPr>
+          <p:cNvPr id="2" name="幻灯片图像占位符 1"/>
+          <p:cNvSpPr>
+            <a:spLocks noGrp="1" noRot="1" noChangeAspect="1"/>
+          </p:cNvSpPr>
+          <p:nvPr>
+            <p:ph type="sldImg"/>
+          </p:nvPr>
+        </p:nvSpPr>
+        <p:spPr/>
+      </p:sp>
+      <p:sp>
+        <p:nvSpPr>
+          <p:cNvPr id="3" name="备注占位符 2"/>
+          <p:cNvSpPr>
+            <a:spLocks noGrp="1"/>
+          </p:cNvSpPr>
+          <p:nvPr>
+            <p:ph type="body" idx="1"/>
+          </p:nvPr>
+        </p:nvSpPr>
+        <p:spPr/>
+        <p:txBody>
+          <a:bodyPr>
+            <a:normAutofit/>
+          </a:bodyPr>
+          <a:lstStyle/>
+          <a:p>
+            <a:endParaRPr lang="zh-CN" altLang="en-US" dirty="0"/>
+          </a:p>
+        </p:txBody>
+      </p:sp>
+      <p:sp>
+        <p:nvSpPr>
+          <p:cNvPr id="4" name="灯片编号占位符 3"/>
+          <p:cNvSpPr>
+            <a:spLocks noGrp="1"/>
+          </p:cNvSpPr>
+          <p:nvPr>
+            <p:ph type="sldNum" sz="quarter" idx="10"/>
+          </p:nvPr>
+        </p:nvSpPr>
+        <p:spPr/>
+        <p:txBody>
+          <a:bodyPr/>
+          <a:lstStyle/>
+          <a:p>
+            <a:fld id="{8498A86D-9ECD-4590-BE35-F8644ED56572}" type="slidenum">
+              <a:rPr lang="zh-CN" altLang="en-US" smtClean="0"/>
+              <a:pPr/>
+              <a:t>59</a:t>
             </a:fld>
             <a:endParaRPr lang="zh-CN" altLang="en-US"/>
           </a:p>
@@ -5438,7 +5526,7 @@
             <a:fld id="{47C9B81F-C347-4BEF-BFDF-29C42F48304A}" type="datetimeFigureOut">
               <a:rPr lang="en-US" smtClean="0"/>
               <a:pPr/>
-              <a:t>2/11/2022</a:t>
+              <a:t>6/21/2022</a:t>
             </a:fld>
             <a:endParaRPr lang="en-US" dirty="0"/>
           </a:p>
@@ -5605,7 +5693,7 @@
             <a:fld id="{47C9B81F-C347-4BEF-BFDF-29C42F48304A}" type="datetimeFigureOut">
               <a:rPr lang="en-US" smtClean="0"/>
               <a:pPr/>
-              <a:t>2/11/2022</a:t>
+              <a:t>6/21/2022</a:t>
             </a:fld>
             <a:endParaRPr lang="en-US" dirty="0"/>
           </a:p>
@@ -5782,7 +5870,7 @@
             <a:fld id="{47C9B81F-C347-4BEF-BFDF-29C42F48304A}" type="datetimeFigureOut">
               <a:rPr lang="en-US" smtClean="0"/>
               <a:pPr/>
-              <a:t>2/11/2022</a:t>
+              <a:t>6/21/2022</a:t>
             </a:fld>
             <a:endParaRPr lang="en-US" dirty="0"/>
           </a:p>
@@ -5949,7 +6037,7 @@
             <a:fld id="{47C9B81F-C347-4BEF-BFDF-29C42F48304A}" type="datetimeFigureOut">
               <a:rPr lang="en-US" smtClean="0"/>
               <a:pPr/>
-              <a:t>2/11/2022</a:t>
+              <a:t>6/21/2022</a:t>
             </a:fld>
             <a:endParaRPr lang="en-US" dirty="0"/>
           </a:p>
@@ -6193,7 +6281,7 @@
             <a:fld id="{47C9B81F-C347-4BEF-BFDF-29C42F48304A}" type="datetimeFigureOut">
               <a:rPr lang="en-US" smtClean="0"/>
               <a:pPr/>
-              <a:t>2/11/2022</a:t>
+              <a:t>6/21/2022</a:t>
             </a:fld>
             <a:endParaRPr lang="en-US" dirty="0"/>
           </a:p>
@@ -6459,7 +6547,7 @@
             <a:fld id="{47C9B81F-C347-4BEF-BFDF-29C42F48304A}" type="datetimeFigureOut">
               <a:rPr lang="en-US" smtClean="0"/>
               <a:pPr/>
-              <a:t>2/11/2022</a:t>
+              <a:t>6/21/2022</a:t>
             </a:fld>
             <a:endParaRPr lang="en-US" dirty="0"/>
           </a:p>
@@ -6839,7 +6927,7 @@
             <a:fld id="{47C9B81F-C347-4BEF-BFDF-29C42F48304A}" type="datetimeFigureOut">
               <a:rPr lang="en-US" smtClean="0"/>
               <a:pPr/>
-              <a:t>2/11/2022</a:t>
+              <a:t>6/21/2022</a:t>
             </a:fld>
             <a:endParaRPr lang="en-US" dirty="0"/>
           </a:p>
@@ -6991,7 +7079,7 @@
             <a:fld id="{47C9B81F-C347-4BEF-BFDF-29C42F48304A}" type="datetimeFigureOut">
               <a:rPr lang="en-US" smtClean="0"/>
               <a:pPr/>
-              <a:t>2/11/2022</a:t>
+              <a:t>6/21/2022</a:t>
             </a:fld>
             <a:endParaRPr lang="en-US" dirty="0"/>
           </a:p>
@@ -7083,7 +7171,7 @@
             <a:fld id="{47C9B81F-C347-4BEF-BFDF-29C42F48304A}" type="datetimeFigureOut">
               <a:rPr lang="en-US" smtClean="0"/>
               <a:pPr/>
-              <a:t>2/11/2022</a:t>
+              <a:t>6/21/2022</a:t>
             </a:fld>
             <a:endParaRPr lang="en-US" dirty="0"/>
           </a:p>
@@ -7346,7 +7434,7 @@
             <a:fld id="{47C9B81F-C347-4BEF-BFDF-29C42F48304A}" type="datetimeFigureOut">
               <a:rPr lang="en-US" smtClean="0"/>
               <a:pPr/>
-              <a:t>2/11/2022</a:t>
+              <a:t>6/21/2022</a:t>
             </a:fld>
             <a:endParaRPr lang="en-US" dirty="0"/>
           </a:p>
@@ -7636,7 +7724,7 @@
             <a:fld id="{47C9B81F-C347-4BEF-BFDF-29C42F48304A}" type="datetimeFigureOut">
               <a:rPr lang="en-US" smtClean="0"/>
               <a:pPr/>
-              <a:t>2/11/2022</a:t>
+              <a:t>6/21/2022</a:t>
             </a:fld>
             <a:endParaRPr lang="en-US" dirty="0"/>
           </a:p>
@@ -8409,7 +8497,7 @@
             <a:fld id="{47C9B81F-C347-4BEF-BFDF-29C42F48304A}" type="datetimeFigureOut">
               <a:rPr lang="en-US" smtClean="0"/>
               <a:pPr/>
-              <a:t>2/11/2022</a:t>
+              <a:t>6/21/2022</a:t>
             </a:fld>
             <a:endParaRPr lang="en-US" dirty="0">
               <a:solidFill>
@@ -9381,12 +9469,12 @@
           <a:graphicData uri="http://schemas.openxmlformats.org/presentationml/2006/ole">
             <mc:AlternateContent xmlns:mc="http://schemas.openxmlformats.org/markup-compatibility/2006">
               <mc:Choice xmlns:v="urn:schemas-microsoft-com:vml" Requires="v">
-                <p:oleObj spid="_x0000_s142474" name="Visio" r:id="rId4" imgW="6057990" imgH="3266985" progId="Visio.Drawing.11">
+                <p:oleObj name="Visio" r:id="rId3" imgW="6057990" imgH="3266985" progId="Visio.Drawing.11">
                   <p:embed/>
                 </p:oleObj>
               </mc:Choice>
               <mc:Fallback>
-                <p:oleObj name="Visio" r:id="rId4" imgW="6057990" imgH="3266985" progId="Visio.Drawing.11">
+                <p:oleObj name="Visio" r:id="rId3" imgW="6057990" imgH="3266985" progId="Visio.Drawing.11">
                   <p:embed/>
                   <p:pic>
                     <p:nvPicPr>
@@ -9397,7 +9485,7 @@
                       <p:nvPr/>
                     </p:nvPicPr>
                     <p:blipFill>
-                      <a:blip r:embed="rId5">
+                      <a:blip r:embed="rId4">
                         <a:extLst>
                           <a:ext uri="{28A0092B-C50C-407E-A947-70E740481C1C}">
                             <a14:useLocalDpi xmlns:a14="http://schemas.microsoft.com/office/drawing/2010/main" val="0"/>
@@ -9693,7 +9781,25 @@
                 <a:ea typeface="宋体" panose="02010600030101010101" pitchFamily="2" charset="-122"/>
                 <a:cs typeface="Times New Roman" panose="02020603050405020304" pitchFamily="18" charset="0"/>
               </a:rPr>
-              <a:t>总线节点可以接受服务及服务上的交易注册，服务和交易会更新到所有的</a:t>
+              <a:t>总线节点可以接受服务及服务上的交易注册</a:t>
+            </a:r>
+            <a:r>
+              <a:rPr lang="zh-CN" altLang="en-US" sz="1800" dirty="0">
+                <a:effectLst/>
+                <a:latin typeface="Calibri" panose="020F0502020204030204" pitchFamily="34" charset="0"/>
+                <a:ea typeface="宋体" panose="02010600030101010101" pitchFamily="2" charset="-122"/>
+                <a:cs typeface="Times New Roman" panose="02020603050405020304" pitchFamily="18" charset="0"/>
+              </a:rPr>
+              <a:t>及广播订阅。注册的</a:t>
+            </a:r>
+            <a:r>
+              <a:rPr lang="zh-CN" altLang="zh-CN" sz="1800" dirty="0">
+                <a:effectLst/>
+                <a:latin typeface="Calibri" panose="020F0502020204030204" pitchFamily="34" charset="0"/>
+                <a:ea typeface="宋体" panose="02010600030101010101" pitchFamily="2" charset="-122"/>
+                <a:cs typeface="Times New Roman" panose="02020603050405020304" pitchFamily="18" charset="0"/>
+              </a:rPr>
+              <a:t>服务和交易会更新到所有的</a:t>
             </a:r>
             <a:r>
               <a:rPr lang="en-US" altLang="zh-CN" sz="1800" dirty="0">
@@ -9814,12 +9920,12 @@
           <a:graphicData uri="http://schemas.openxmlformats.org/presentationml/2006/ole">
             <mc:AlternateContent xmlns:mc="http://schemas.openxmlformats.org/markup-compatibility/2006">
               <mc:Choice xmlns:v="urn:schemas-microsoft-com:vml" Requires="v">
-                <p:oleObj spid="_x0000_s144406" name="Visio" r:id="rId4" imgW="7822980" imgH="5260226" progId="Visio.Drawing.11">
+                <p:oleObj name="Visio" r:id="rId3" imgW="7822980" imgH="5260226" progId="Visio.Drawing.11">
                   <p:embed/>
                 </p:oleObj>
               </mc:Choice>
               <mc:Fallback>
-                <p:oleObj name="Visio" r:id="rId4" imgW="7822980" imgH="5260226" progId="Visio.Drawing.11">
+                <p:oleObj name="Visio" r:id="rId3" imgW="7822980" imgH="5260226" progId="Visio.Drawing.11">
                   <p:embed/>
                   <p:pic>
                     <p:nvPicPr>
@@ -9830,7 +9936,7 @@
                       <p:nvPr/>
                     </p:nvPicPr>
                     <p:blipFill>
-                      <a:blip r:embed="rId5">
+                      <a:blip r:embed="rId4">
                         <a:extLst>
                           <a:ext uri="{28A0092B-C50C-407E-A947-70E740481C1C}">
                             <a14:useLocalDpi xmlns:a14="http://schemas.microsoft.com/office/drawing/2010/main" val="0"/>
@@ -9929,12 +10035,12 @@
           <a:graphicData uri="http://schemas.openxmlformats.org/presentationml/2006/ole">
             <mc:AlternateContent xmlns:mc="http://schemas.openxmlformats.org/markup-compatibility/2006">
               <mc:Choice xmlns:v="urn:schemas-microsoft-com:vml" Requires="v">
-                <p:oleObj spid="_x0000_s145413" name="Visio" r:id="rId4" imgW="9150840" imgH="5209816" progId="Visio.Drawing.11">
+                <p:oleObj name="Visio" r:id="rId3" imgW="9150840" imgH="5209816" progId="Visio.Drawing.11">
                   <p:embed/>
                 </p:oleObj>
               </mc:Choice>
               <mc:Fallback>
-                <p:oleObj name="Visio" r:id="rId4" imgW="9150840" imgH="5209816" progId="Visio.Drawing.11">
+                <p:oleObj name="Visio" r:id="rId3" imgW="9150840" imgH="5209816" progId="Visio.Drawing.11">
                   <p:embed/>
                   <p:pic>
                     <p:nvPicPr>
@@ -9945,7 +10051,7 @@
                       <p:nvPr/>
                     </p:nvPicPr>
                     <p:blipFill>
-                      <a:blip r:embed="rId5">
+                      <a:blip r:embed="rId4">
                         <a:extLst>
                           <a:ext uri="{28A0092B-C50C-407E-A947-70E740481C1C}">
                             <a14:useLocalDpi xmlns:a14="http://schemas.microsoft.com/office/drawing/2010/main" val="0"/>
@@ -10322,7 +10428,15 @@
             </a:pPr>
             <a:r>
               <a:rPr lang="zh-CN" altLang="zh-CN" sz="3200" b="1" dirty="0"/>
-              <a:t>采用主动推送及广播机制，降低系统压力</a:t>
+              <a:t>采用主动推送及广播</a:t>
+            </a:r>
+            <a:r>
+              <a:rPr lang="zh-CN" altLang="en-US" sz="3200" b="1" dirty="0"/>
+              <a:t>订阅</a:t>
+            </a:r>
+            <a:r>
+              <a:rPr lang="zh-CN" altLang="zh-CN" sz="3200" b="1" dirty="0"/>
+              <a:t>机制，降低系统压力</a:t>
             </a:r>
             <a:endParaRPr lang="en-US" altLang="zh-CN" sz="3200" b="1" dirty="0"/>
           </a:p>
@@ -11978,12 +12092,12 @@
           <a:graphicData uri="http://schemas.openxmlformats.org/presentationml/2006/ole">
             <mc:AlternateContent xmlns:mc="http://schemas.openxmlformats.org/markup-compatibility/2006">
               <mc:Choice xmlns:v="urn:schemas-microsoft-com:vml" Requires="v">
-                <p:oleObj spid="_x0000_s71848" name="Visio" r:id="rId3" imgW="6124651" imgH="4092796" progId="Visio.Drawing.11">
+                <p:oleObj name="Visio" r:id="rId2" imgW="6124651" imgH="4092796" progId="Visio.Drawing.11">
                   <p:embed/>
                 </p:oleObj>
               </mc:Choice>
               <mc:Fallback>
-                <p:oleObj name="Visio" r:id="rId3" imgW="6124651" imgH="4092796" progId="Visio.Drawing.11">
+                <p:oleObj name="Visio" r:id="rId2" imgW="6124651" imgH="4092796" progId="Visio.Drawing.11">
                   <p:embed/>
                   <p:pic>
                     <p:nvPicPr>
@@ -11994,7 +12108,7 @@
                       <p:nvPr/>
                     </p:nvPicPr>
                     <p:blipFill>
-                      <a:blip r:embed="rId4">
+                      <a:blip r:embed="rId3">
                         <a:extLst>
                           <a:ext uri="{28A0092B-C50C-407E-A947-70E740481C1C}">
                             <a14:useLocalDpi xmlns:a14="http://schemas.microsoft.com/office/drawing/2010/main" val="0"/>
@@ -12144,12 +12258,12 @@
           <a:graphicData uri="http://schemas.openxmlformats.org/presentationml/2006/ole">
             <mc:AlternateContent xmlns:mc="http://schemas.openxmlformats.org/markup-compatibility/2006">
               <mc:Choice xmlns:v="urn:schemas-microsoft-com:vml" Requires="v">
-                <p:oleObj spid="_x0000_s72870" name="Visio" r:id="rId3" imgW="6124651" imgH="4092796" progId="Visio.Drawing.11">
+                <p:oleObj name="Visio" r:id="rId2" imgW="6124651" imgH="4092796" progId="Visio.Drawing.11">
                   <p:embed/>
                 </p:oleObj>
               </mc:Choice>
               <mc:Fallback>
-                <p:oleObj name="Visio" r:id="rId3" imgW="6124651" imgH="4092796" progId="Visio.Drawing.11">
+                <p:oleObj name="Visio" r:id="rId2" imgW="6124651" imgH="4092796" progId="Visio.Drawing.11">
                   <p:embed/>
                   <p:pic>
                     <p:nvPicPr>
@@ -12160,7 +12274,7 @@
                       <p:nvPr/>
                     </p:nvPicPr>
                     <p:blipFill>
-                      <a:blip r:embed="rId4">
+                      <a:blip r:embed="rId3">
                         <a:extLst>
                           <a:ext uri="{28A0092B-C50C-407E-A947-70E740481C1C}">
                             <a14:useLocalDpi xmlns:a14="http://schemas.microsoft.com/office/drawing/2010/main" val="0"/>
@@ -12306,12 +12420,12 @@
           <a:graphicData uri="http://schemas.openxmlformats.org/presentationml/2006/ole">
             <mc:AlternateContent xmlns:mc="http://schemas.openxmlformats.org/markup-compatibility/2006">
               <mc:Choice xmlns:v="urn:schemas-microsoft-com:vml" Requires="v">
-                <p:oleObj spid="_x0000_s73894" name="Visio" r:id="rId4" imgW="6124651" imgH="4092796" progId="Visio.Drawing.11">
+                <p:oleObj name="Visio" r:id="rId3" imgW="6124651" imgH="4092796" progId="Visio.Drawing.11">
                   <p:embed/>
                 </p:oleObj>
               </mc:Choice>
               <mc:Fallback>
-                <p:oleObj name="Visio" r:id="rId4" imgW="6124651" imgH="4092796" progId="Visio.Drawing.11">
+                <p:oleObj name="Visio" r:id="rId3" imgW="6124651" imgH="4092796" progId="Visio.Drawing.11">
                   <p:embed/>
                   <p:pic>
                     <p:nvPicPr>
@@ -12322,7 +12436,7 @@
                       <p:nvPr/>
                     </p:nvPicPr>
                     <p:blipFill>
-                      <a:blip r:embed="rId5">
+                      <a:blip r:embed="rId4">
                         <a:extLst>
                           <a:ext uri="{28A0092B-C50C-407E-A947-70E740481C1C}">
                             <a14:useLocalDpi xmlns:a14="http://schemas.microsoft.com/office/drawing/2010/main" val="0"/>
@@ -12503,12 +12617,12 @@
           <a:graphicData uri="http://schemas.openxmlformats.org/presentationml/2006/ole">
             <mc:AlternateContent xmlns:mc="http://schemas.openxmlformats.org/markup-compatibility/2006">
               <mc:Choice xmlns:v="urn:schemas-microsoft-com:vml" Requires="v">
-                <p:oleObj spid="_x0000_s74918" name="Visio" r:id="rId4" imgW="6124651" imgH="4092796" progId="Visio.Drawing.11">
+                <p:oleObj name="Visio" r:id="rId3" imgW="6124651" imgH="4092796" progId="Visio.Drawing.11">
                   <p:embed/>
                 </p:oleObj>
               </mc:Choice>
               <mc:Fallback>
-                <p:oleObj name="Visio" r:id="rId4" imgW="6124651" imgH="4092796" progId="Visio.Drawing.11">
+                <p:oleObj name="Visio" r:id="rId3" imgW="6124651" imgH="4092796" progId="Visio.Drawing.11">
                   <p:embed/>
                   <p:pic>
                     <p:nvPicPr>
@@ -12519,7 +12633,7 @@
                       <p:nvPr/>
                     </p:nvPicPr>
                     <p:blipFill>
-                      <a:blip r:embed="rId5">
+                      <a:blip r:embed="rId4">
                         <a:extLst>
                           <a:ext uri="{28A0092B-C50C-407E-A947-70E740481C1C}">
                             <a14:useLocalDpi xmlns:a14="http://schemas.microsoft.com/office/drawing/2010/main" val="0"/>
@@ -12686,12 +12800,12 @@
           <a:graphicData uri="http://schemas.openxmlformats.org/presentationml/2006/ole">
             <mc:AlternateContent xmlns:mc="http://schemas.openxmlformats.org/markup-compatibility/2006">
               <mc:Choice xmlns:v="urn:schemas-microsoft-com:vml" Requires="v">
-                <p:oleObj spid="_x0000_s76966" name="Visio" r:id="rId4" imgW="6124651" imgH="4092796" progId="Visio.Drawing.11">
+                <p:oleObj name="Visio" r:id="rId3" imgW="6124651" imgH="4092796" progId="Visio.Drawing.11">
                   <p:embed/>
                 </p:oleObj>
               </mc:Choice>
               <mc:Fallback>
-                <p:oleObj name="Visio" r:id="rId4" imgW="6124651" imgH="4092796" progId="Visio.Drawing.11">
+                <p:oleObj name="Visio" r:id="rId3" imgW="6124651" imgH="4092796" progId="Visio.Drawing.11">
                   <p:embed/>
                   <p:pic>
                     <p:nvPicPr>
@@ -12702,7 +12816,7 @@
                       <p:nvPr/>
                     </p:nvPicPr>
                     <p:blipFill>
-                      <a:blip r:embed="rId5">
+                      <a:blip r:embed="rId4">
                         <a:extLst>
                           <a:ext uri="{28A0092B-C50C-407E-A947-70E740481C1C}">
                             <a14:useLocalDpi xmlns:a14="http://schemas.microsoft.com/office/drawing/2010/main" val="0"/>
@@ -12867,22 +12981,28 @@
           <p:cNvGraphicFramePr>
             <a:graphicFrameLocks noChangeAspect="1"/>
           </p:cNvGraphicFramePr>
-          <p:nvPr/>
+          <p:nvPr>
+            <p:extLst>
+              <p:ext uri="{D42A27DB-BD31-4B8C-83A1-F6EECF244321}">
+                <p14:modId xmlns:p14="http://schemas.microsoft.com/office/powerpoint/2010/main" val="1045120077"/>
+              </p:ext>
+            </p:extLst>
+          </p:nvPr>
         </p:nvGraphicFramePr>
         <p:xfrm>
-          <a:off x="1285852" y="2643182"/>
+          <a:off x="1354919" y="3100318"/>
           <a:ext cx="6434161" cy="3571900"/>
         </p:xfrm>
         <a:graphic>
           <a:graphicData uri="http://schemas.openxmlformats.org/presentationml/2006/ole">
             <mc:AlternateContent xmlns:mc="http://schemas.openxmlformats.org/markup-compatibility/2006">
               <mc:Choice xmlns:v="urn:schemas-microsoft-com:vml" Requires="v">
-                <p:oleObj spid="_x0000_s80038" name="Visio" r:id="rId4" imgW="6124651" imgH="4092796" progId="Visio.Drawing.11">
+                <p:oleObj name="Visio" r:id="rId3" imgW="6124651" imgH="4092796" progId="Visio.Drawing.11">
                   <p:embed/>
                 </p:oleObj>
               </mc:Choice>
               <mc:Fallback>
-                <p:oleObj name="Visio" r:id="rId4" imgW="6124651" imgH="4092796" progId="Visio.Drawing.11">
+                <p:oleObj name="Visio" r:id="rId3" imgW="6124651" imgH="4092796" progId="Visio.Drawing.11">
                   <p:embed/>
                   <p:pic>
                     <p:nvPicPr>
@@ -12893,7 +13013,7 @@
                       <p:nvPr/>
                     </p:nvPicPr>
                     <p:blipFill>
-                      <a:blip r:embed="rId5">
+                      <a:blip r:embed="rId4">
                         <a:extLst>
                           <a:ext uri="{28A0092B-C50C-407E-A947-70E740481C1C}">
                             <a14:useLocalDpi xmlns:a14="http://schemas.microsoft.com/office/drawing/2010/main" val="0"/>
@@ -12907,7 +13027,7 @@
                     </p:blipFill>
                     <p:spPr bwMode="auto">
                       <a:xfrm>
-                        <a:off x="1285852" y="2643182"/>
+                        <a:off x="1354919" y="3100318"/>
                         <a:ext cx="6434161" cy="3571900"/>
                       </a:xfrm>
                       <a:prstGeom prst="rect">
@@ -12971,11 +13091,23 @@
             </a:pPr>
             <a:r>
               <a:rPr lang="en-US" altLang="zh-CN" dirty="0"/>
-              <a:t>       发送消息给DREB上的所有服务，若不指定DREB，则发送给所有的DREB,即全域</a:t>
+              <a:t>    </a:t>
+            </a:r>
+            <a:r>
+              <a:rPr lang="en-US" altLang="zh-CN" dirty="0" err="1"/>
+              <a:t>发送消息给DREB上的</a:t>
             </a:r>
             <a:r>
               <a:rPr lang="zh-CN" altLang="en-US" dirty="0"/>
-              <a:t>广播，不需要确认消息</a:t>
+              <a:t>订阅广播的所有</a:t>
+            </a:r>
+            <a:r>
+              <a:rPr lang="en-US" altLang="zh-CN" dirty="0" err="1"/>
+              <a:t>服务</a:t>
+            </a:r>
+            <a:r>
+              <a:rPr lang="zh-CN" altLang="en-US" dirty="0"/>
+              <a:t>或广播给指定总线指定服务。</a:t>
             </a:r>
           </a:p>
         </p:txBody>
@@ -13053,22 +13185,28 @@
           <p:cNvGraphicFramePr>
             <a:graphicFrameLocks noChangeAspect="1"/>
           </p:cNvGraphicFramePr>
-          <p:nvPr/>
+          <p:nvPr>
+            <p:extLst>
+              <p:ext uri="{D42A27DB-BD31-4B8C-83A1-F6EECF244321}">
+                <p14:modId xmlns:p14="http://schemas.microsoft.com/office/powerpoint/2010/main" val="729950298"/>
+              </p:ext>
+            </p:extLst>
+          </p:nvPr>
         </p:nvGraphicFramePr>
         <p:xfrm>
-          <a:off x="1285852" y="2643182"/>
+          <a:off x="1254877" y="2924944"/>
           <a:ext cx="6434161" cy="3571900"/>
         </p:xfrm>
         <a:graphic>
           <a:graphicData uri="http://schemas.openxmlformats.org/presentationml/2006/ole">
             <mc:AlternateContent xmlns:mc="http://schemas.openxmlformats.org/markup-compatibility/2006">
               <mc:Choice xmlns:v="urn:schemas-microsoft-com:vml" Requires="v">
-                <p:oleObj spid="_x0000_s81062" name="Visio" r:id="rId4" imgW="6124651" imgH="4092796" progId="Visio.Drawing.11">
+                <p:oleObj name="Visio" r:id="rId3" imgW="6124651" imgH="4092796" progId="Visio.Drawing.11">
                   <p:embed/>
                 </p:oleObj>
               </mc:Choice>
               <mc:Fallback>
-                <p:oleObj name="Visio" r:id="rId4" imgW="6124651" imgH="4092796" progId="Visio.Drawing.11">
+                <p:oleObj name="Visio" r:id="rId3" imgW="6124651" imgH="4092796" progId="Visio.Drawing.11">
                   <p:embed/>
                   <p:pic>
                     <p:nvPicPr>
@@ -13079,7 +13217,7 @@
                       <p:nvPr/>
                     </p:nvPicPr>
                     <p:blipFill>
-                      <a:blip r:embed="rId5">
+                      <a:blip r:embed="rId4">
                         <a:extLst>
                           <a:ext uri="{28A0092B-C50C-407E-A947-70E740481C1C}">
                             <a14:useLocalDpi xmlns:a14="http://schemas.microsoft.com/office/drawing/2010/main" val="0"/>
@@ -13093,7 +13231,7 @@
                     </p:blipFill>
                     <p:spPr bwMode="auto">
                       <a:xfrm>
-                        <a:off x="1285852" y="2643182"/>
+                        <a:off x="1254877" y="2924944"/>
                         <a:ext cx="6434161" cy="3571900"/>
                       </a:xfrm>
                       <a:prstGeom prst="rect">
@@ -13843,12 +13981,12 @@
           <a:graphicData uri="http://schemas.openxmlformats.org/presentationml/2006/ole">
             <mc:AlternateContent xmlns:mc="http://schemas.openxmlformats.org/markup-compatibility/2006">
               <mc:Choice xmlns:v="urn:schemas-microsoft-com:vml" Requires="v">
-                <p:oleObj spid="_x0000_s82087" name="Visio" r:id="rId4" imgW="6124410" imgH="4092695" progId="Visio.Drawing.11">
+                <p:oleObj name="Visio" r:id="rId3" imgW="6124410" imgH="4092695" progId="Visio.Drawing.11">
                   <p:embed/>
                 </p:oleObj>
               </mc:Choice>
               <mc:Fallback>
-                <p:oleObj name="Visio" r:id="rId4" imgW="6124410" imgH="4092695" progId="Visio.Drawing.11">
+                <p:oleObj name="Visio" r:id="rId3" imgW="6124410" imgH="4092695" progId="Visio.Drawing.11">
                   <p:embed/>
                   <p:pic>
                     <p:nvPicPr>
@@ -13859,7 +13997,7 @@
                       <p:nvPr/>
                     </p:nvPicPr>
                     <p:blipFill>
-                      <a:blip r:embed="rId5">
+                      <a:blip r:embed="rId4">
                         <a:extLst>
                           <a:ext uri="{28A0092B-C50C-407E-A947-70E740481C1C}">
                             <a14:useLocalDpi xmlns:a14="http://schemas.microsoft.com/office/drawing/2010/main" val="0"/>
@@ -15104,7 +15242,13 @@
       </p:sp>
       <p:pic>
         <p:nvPicPr>
-          <p:cNvPr id="2" name="图片 1"/>
+          <p:cNvPr id="5" name="图片 4">
+            <a:extLst>
+              <a:ext uri="{FF2B5EF4-FFF2-40B4-BE49-F238E27FC236}">
+                <a16:creationId xmlns:a16="http://schemas.microsoft.com/office/drawing/2014/main" id="{10D4D89E-14E0-4655-824E-DBAC62B03436}"/>
+              </a:ext>
+            </a:extLst>
+          </p:cNvPr>
           <p:cNvPicPr>
             <a:picLocks noChangeAspect="1"/>
           </p:cNvPicPr>
@@ -15118,8 +15262,8 @@
         </p:blipFill>
         <p:spPr>
           <a:xfrm>
-            <a:off x="596899" y="889289"/>
-            <a:ext cx="7950201" cy="5852079"/>
+            <a:off x="539552" y="1063208"/>
+            <a:ext cx="8229600" cy="5742214"/>
           </a:xfrm>
           <a:prstGeom prst="rect">
             <a:avLst/>
@@ -15140,6 +15284,107 @@
 </file>
 
 <file path=ppt/slides/slide40.xml><?xml version="1.0" encoding="utf-8"?>
+<p:sld xmlns:a="http://schemas.openxmlformats.org/drawingml/2006/main" xmlns:r="http://schemas.openxmlformats.org/officeDocument/2006/relationships" xmlns:p="http://schemas.openxmlformats.org/presentationml/2006/main">
+  <p:cSld>
+    <p:spTree>
+      <p:nvGrpSpPr>
+        <p:cNvPr id="1" name=""/>
+        <p:cNvGrpSpPr/>
+        <p:nvPr/>
+      </p:nvGrpSpPr>
+      <p:grpSpPr>
+        <a:xfrm>
+          <a:off x="0" y="0"/>
+          <a:ext cx="0" cy="0"/>
+          <a:chOff x="0" y="0"/>
+          <a:chExt cx="0" cy="0"/>
+        </a:xfrm>
+      </p:grpSpPr>
+      <p:sp>
+        <p:nvSpPr>
+          <p:cNvPr id="2" name="标题 1"/>
+          <p:cNvSpPr>
+            <a:spLocks noGrp="1"/>
+          </p:cNvSpPr>
+          <p:nvPr>
+            <p:ph type="title"/>
+          </p:nvPr>
+        </p:nvSpPr>
+        <p:spPr>
+          <a:xfrm>
+            <a:off x="428596" y="0"/>
+            <a:ext cx="8229600" cy="980728"/>
+          </a:xfrm>
+        </p:spPr>
+        <p:txBody>
+          <a:bodyPr>
+            <a:normAutofit/>
+          </a:bodyPr>
+          <a:lstStyle/>
+          <a:p>
+            <a:r>
+              <a:rPr lang="en-US" altLang="zh-CN" sz="4000" dirty="0"/>
+              <a:t>PKI</a:t>
+            </a:r>
+            <a:r>
+              <a:rPr lang="zh-CN" altLang="en-US" sz="4000" dirty="0"/>
+              <a:t>认证</a:t>
+            </a:r>
+          </a:p>
+        </p:txBody>
+      </p:sp>
+      <p:pic>
+        <p:nvPicPr>
+          <p:cNvPr id="4" name="图片 3">
+            <a:extLst>
+              <a:ext uri="{FF2B5EF4-FFF2-40B4-BE49-F238E27FC236}">
+                <a16:creationId xmlns:a16="http://schemas.microsoft.com/office/drawing/2014/main" id="{C57574DF-4D26-416D-9C98-15F2012C5404}"/>
+              </a:ext>
+            </a:extLst>
+          </p:cNvPr>
+          <p:cNvPicPr>
+            <a:picLocks noChangeAspect="1"/>
+          </p:cNvPicPr>
+          <p:nvPr/>
+        </p:nvPicPr>
+        <p:blipFill>
+          <a:blip r:embed="rId3" cstate="print"/>
+          <a:srcRect/>
+          <a:stretch>
+            <a:fillRect/>
+          </a:stretch>
+        </p:blipFill>
+        <p:spPr bwMode="auto">
+          <a:xfrm>
+            <a:off x="428596" y="1052736"/>
+            <a:ext cx="8229600" cy="5470810"/>
+          </a:xfrm>
+          <a:prstGeom prst="rect">
+            <a:avLst/>
+          </a:prstGeom>
+          <a:noFill/>
+          <a:ln w="9525">
+            <a:noFill/>
+            <a:miter lim="800000"/>
+            <a:headEnd/>
+            <a:tailEnd/>
+          </a:ln>
+        </p:spPr>
+      </p:pic>
+    </p:spTree>
+    <p:extLst>
+      <p:ext uri="{BB962C8B-B14F-4D97-AF65-F5344CB8AC3E}">
+        <p14:creationId xmlns:p14="http://schemas.microsoft.com/office/powerpoint/2010/main" val="1064070089"/>
+      </p:ext>
+    </p:extLst>
+  </p:cSld>
+  <p:clrMapOvr>
+    <a:masterClrMapping/>
+  </p:clrMapOvr>
+</p:sld>
+</file>
+
+<file path=ppt/slides/slide41.xml><?xml version="1.0" encoding="utf-8"?>
 <p:sld xmlns:a="http://schemas.openxmlformats.org/drawingml/2006/main" xmlns:r="http://schemas.openxmlformats.org/officeDocument/2006/relationships" xmlns:p="http://schemas.openxmlformats.org/presentationml/2006/main">
   <p:cSld>
     <p:spTree>
@@ -15235,7 +15480,7 @@
 </p:sld>
 </file>
 
-<file path=ppt/slides/slide41.xml><?xml version="1.0" encoding="utf-8"?>
+<file path=ppt/slides/slide42.xml><?xml version="1.0" encoding="utf-8"?>
 <p:sld xmlns:a="http://schemas.openxmlformats.org/drawingml/2006/main" xmlns:r="http://schemas.openxmlformats.org/officeDocument/2006/relationships" xmlns:p="http://schemas.openxmlformats.org/presentationml/2006/main">
   <p:cSld>
     <p:spTree>
@@ -15340,7 +15585,7 @@
 </p:sld>
 </file>
 
-<file path=ppt/slides/slide42.xml><?xml version="1.0" encoding="utf-8"?>
+<file path=ppt/slides/slide43.xml><?xml version="1.0" encoding="utf-8"?>
 <p:sld xmlns:a="http://schemas.openxmlformats.org/drawingml/2006/main" xmlns:r="http://schemas.openxmlformats.org/officeDocument/2006/relationships" xmlns:p="http://schemas.openxmlformats.org/presentationml/2006/main">
   <p:cSld>
     <p:spTree>
@@ -15445,253 +15690,6 @@
 </p:sld>
 </file>
 
-<file path=ppt/slides/slide43.xml><?xml version="1.0" encoding="utf-8"?>
-<p:sld xmlns:a="http://schemas.openxmlformats.org/drawingml/2006/main" xmlns:r="http://schemas.openxmlformats.org/officeDocument/2006/relationships" xmlns:p="http://schemas.openxmlformats.org/presentationml/2006/main">
-  <p:cSld>
-    <p:spTree>
-      <p:nvGrpSpPr>
-        <p:cNvPr id="1" name=""/>
-        <p:cNvGrpSpPr/>
-        <p:nvPr/>
-      </p:nvGrpSpPr>
-      <p:grpSpPr>
-        <a:xfrm>
-          <a:off x="0" y="0"/>
-          <a:ext cx="0" cy="0"/>
-          <a:chOff x="0" y="0"/>
-          <a:chExt cx="0" cy="0"/>
-        </a:xfrm>
-      </p:grpSpPr>
-      <p:sp>
-        <p:nvSpPr>
-          <p:cNvPr id="2" name="标题 1"/>
-          <p:cNvSpPr>
-            <a:spLocks noGrp="1"/>
-          </p:cNvSpPr>
-          <p:nvPr>
-            <p:ph type="title"/>
-          </p:nvPr>
-        </p:nvSpPr>
-        <p:spPr>
-          <a:xfrm>
-            <a:off x="428596" y="0"/>
-            <a:ext cx="8229600" cy="980728"/>
-          </a:xfrm>
-        </p:spPr>
-        <p:txBody>
-          <a:bodyPr>
-            <a:normAutofit/>
-          </a:bodyPr>
-          <a:lstStyle/>
-          <a:p>
-            <a:r>
-              <a:rPr lang="zh-CN" altLang="en-US" sz="4000" dirty="0"/>
-              <a:t>接入网关问题查找 </a:t>
-            </a:r>
-            <a:r>
-              <a:rPr lang="en-US" altLang="zh-CN" sz="4000" dirty="0"/>
-              <a:t>1</a:t>
-            </a:r>
-            <a:endParaRPr lang="zh-CN" altLang="en-US" sz="4000" dirty="0"/>
-          </a:p>
-        </p:txBody>
-      </p:sp>
-      <p:sp>
-        <p:nvSpPr>
-          <p:cNvPr id="3" name="Rectangle 3"/>
-          <p:cNvSpPr txBox="1">
-            <a:spLocks noChangeArrowheads="1"/>
-          </p:cNvSpPr>
-          <p:nvPr/>
-        </p:nvSpPr>
-        <p:spPr bwMode="auto">
-          <a:xfrm>
-            <a:off x="321449" y="1143000"/>
-            <a:ext cx="8102958" cy="4374232"/>
-          </a:xfrm>
-          <a:prstGeom prst="rect">
-            <a:avLst/>
-          </a:prstGeom>
-          <a:noFill/>
-          <a:ln w="9525">
-            <a:noFill/>
-            <a:miter lim="800000"/>
-            <a:headEnd/>
-            <a:tailEnd/>
-          </a:ln>
-        </p:spPr>
-        <p:txBody>
-          <a:bodyPr vert="horz" wrap="square" lIns="91440" tIns="45720" rIns="91440" bIns="45720" numCol="1" anchor="t" anchorCtr="0" compatLnSpc="1">
-            <a:prstTxWarp prst="textNoShape">
-              <a:avLst/>
-            </a:prstTxWarp>
-          </a:bodyPr>
-          <a:lstStyle/>
-          <a:p>
-            <a:pPr marL="342900" indent="-342900" eaLnBrk="0" fontAlgn="ctr" hangingPunct="0">
-              <a:spcAft>
-                <a:spcPts val="400"/>
-              </a:spcAft>
-              <a:buSzPct val="70000"/>
-              <a:buFont typeface="Wingdings" pitchFamily="2" charset="2"/>
-              <a:buChar char="Ø"/>
-            </a:pPr>
-            <a:r>
-              <a:rPr lang="zh-CN" altLang="en-US" sz="3200" b="1" dirty="0"/>
-              <a:t>查看本地日志，找到</a:t>
-            </a:r>
-            <a:r>
-              <a:rPr lang="en-US" altLang="zh-CN" sz="3200" b="1" dirty="0"/>
-              <a:t>index</a:t>
-            </a:r>
-            <a:r>
-              <a:rPr lang="zh-CN" altLang="en-US" sz="3200" b="1" dirty="0"/>
-              <a:t>和标识</a:t>
-            </a:r>
-            <a:endParaRPr lang="en-US" altLang="zh-CN" sz="3200" b="1" dirty="0"/>
-          </a:p>
-          <a:p>
-            <a:r>
-              <a:rPr lang="zh-CN" altLang="zh-CN" sz="3200" dirty="0"/>
-              <a:t>如：</a:t>
-            </a:r>
-          </a:p>
-          <a:p>
-            <a:r>
-              <a:rPr lang="en-US" altLang="zh-CN" sz="3200" dirty="0"/>
-              <a:t>20131016 11:04:46 586 ID[3788] </a:t>
-            </a:r>
-            <a:r>
-              <a:rPr lang="zh-CN" altLang="zh-CN" sz="3200" dirty="0"/>
-              <a:t>文件</a:t>
-            </a:r>
-            <a:r>
-              <a:rPr lang="en-US" altLang="zh-CN" sz="3200" dirty="0"/>
-              <a:t>[GateLink.cpp]</a:t>
-            </a:r>
-            <a:r>
-              <a:rPr lang="zh-CN" altLang="zh-CN" sz="3200" dirty="0"/>
-              <a:t>行</a:t>
-            </a:r>
-            <a:r>
-              <a:rPr lang="en-US" altLang="zh-CN" sz="3200" dirty="0"/>
-              <a:t>[379] </a:t>
-            </a:r>
-            <a:r>
-              <a:rPr lang="zh-CN" altLang="zh-CN" sz="3200" dirty="0"/>
-              <a:t>重要</a:t>
-            </a:r>
-            <a:r>
-              <a:rPr lang="en-US" altLang="zh-CN" sz="3200" dirty="0"/>
-              <a:t>  </a:t>
-            </a:r>
-            <a:r>
-              <a:rPr lang="zh-CN" altLang="zh-CN" sz="3200" dirty="0"/>
-              <a:t>错误 未收到</a:t>
-            </a:r>
-            <a:r>
-              <a:rPr lang="en-US" altLang="zh-CN" sz="3200" dirty="0">
-                <a:solidFill>
-                  <a:srgbClr val="FF0000"/>
-                </a:solidFill>
-              </a:rPr>
-              <a:t>index[67] </a:t>
-            </a:r>
-            <a:r>
-              <a:rPr lang="zh-CN" altLang="zh-CN" sz="3200" dirty="0">
-                <a:solidFill>
-                  <a:srgbClr val="FF0000"/>
-                </a:solidFill>
-              </a:rPr>
-              <a:t>标识</a:t>
-            </a:r>
-            <a:r>
-              <a:rPr lang="en-US" altLang="zh-CN" sz="3200" dirty="0">
-                <a:solidFill>
-                  <a:srgbClr val="FF0000"/>
-                </a:solidFill>
-              </a:rPr>
-              <a:t>[6] </a:t>
-            </a:r>
-            <a:r>
-              <a:rPr lang="zh-CN" altLang="zh-CN" sz="3200" dirty="0"/>
-              <a:t>交易码</a:t>
-            </a:r>
-            <a:r>
-              <a:rPr lang="en-US" altLang="zh-CN" sz="3200" dirty="0"/>
-              <a:t>[8004108] </a:t>
-            </a:r>
-            <a:r>
-              <a:rPr lang="zh-CN" altLang="zh-CN" sz="3200" dirty="0"/>
-              <a:t>的应答 超时</a:t>
-            </a:r>
-            <a:r>
-              <a:rPr lang="en-US" altLang="zh-CN" sz="3200" dirty="0"/>
-              <a:t>[180] time[1381892686] </a:t>
-            </a:r>
-            <a:r>
-              <a:rPr lang="zh-CN" altLang="zh-CN" sz="3200" dirty="0"/>
-              <a:t>用时</a:t>
-            </a:r>
-            <a:r>
-              <a:rPr lang="en-US" altLang="zh-CN" sz="3200" dirty="0"/>
-              <a:t>[198]</a:t>
-            </a:r>
-          </a:p>
-          <a:p>
-            <a:endParaRPr kumimoji="1" lang="en-US" altLang="zh-CN" sz="3200" dirty="0">
-              <a:ea typeface="黑体" pitchFamily="2" charset="-122"/>
-              <a:cs typeface="微软雅黑" charset="0"/>
-            </a:endParaRPr>
-          </a:p>
-          <a:p>
-            <a:r>
-              <a:rPr kumimoji="1" lang="en-US" altLang="zh-CN" sz="3200" dirty="0">
-                <a:ea typeface="黑体" pitchFamily="2" charset="-122"/>
-                <a:cs typeface="微软雅黑" charset="0"/>
-              </a:rPr>
-              <a:t>index</a:t>
-            </a:r>
-            <a:r>
-              <a:rPr kumimoji="1" lang="zh-CN" altLang="en-US" sz="3200" dirty="0">
-                <a:ea typeface="黑体" pitchFamily="2" charset="-122"/>
-                <a:cs typeface="微软雅黑" charset="0"/>
-              </a:rPr>
-              <a:t>表示后台网关针对本客户端的连接序号</a:t>
-            </a:r>
-            <a:endParaRPr kumimoji="1" lang="en-US" altLang="zh-CN" sz="3200" dirty="0">
-              <a:ea typeface="黑体" pitchFamily="2" charset="-122"/>
-              <a:cs typeface="微软雅黑" charset="0"/>
-            </a:endParaRPr>
-          </a:p>
-          <a:p>
-            <a:r>
-              <a:rPr kumimoji="1" lang="zh-CN" altLang="en-US" sz="3200" dirty="0">
-                <a:ea typeface="黑体" pitchFamily="2" charset="-122"/>
-                <a:cs typeface="微软雅黑" charset="0"/>
-              </a:rPr>
-              <a:t>标识表示本客户端本次请求的唯一标识</a:t>
-            </a:r>
-            <a:endParaRPr kumimoji="1" lang="en-US" altLang="zh-CN" sz="3200" dirty="0">
-              <a:ea typeface="黑体" pitchFamily="2" charset="-122"/>
-              <a:cs typeface="微软雅黑" charset="0"/>
-            </a:endParaRPr>
-          </a:p>
-        </p:txBody>
-      </p:sp>
-    </p:spTree>
-    <p:extLst>
-      <p:ext uri="{BB962C8B-B14F-4D97-AF65-F5344CB8AC3E}">
-        <p14:creationId xmlns:p14="http://schemas.microsoft.com/office/powerpoint/2010/main" val="121677271"/>
-      </p:ext>
-    </p:extLst>
-  </p:cSld>
-  <p:clrMapOvr>
-    <a:masterClrMapping/>
-  </p:clrMapOvr>
-</p:sld>
-</file>
-
 <file path=ppt/slides/slide44.xml><?xml version="1.0" encoding="utf-8"?>
 <p:sld xmlns:a="http://schemas.openxmlformats.org/drawingml/2006/main" xmlns:r="http://schemas.openxmlformats.org/officeDocument/2006/relationships" xmlns:p="http://schemas.openxmlformats.org/presentationml/2006/main">
   <p:cSld>
@@ -15737,6 +15735,253 @@
             </a:r>
             <a:r>
               <a:rPr lang="en-US" altLang="zh-CN" sz="4000" dirty="0"/>
+              <a:t>1</a:t>
+            </a:r>
+            <a:endParaRPr lang="zh-CN" altLang="en-US" sz="4000" dirty="0"/>
+          </a:p>
+        </p:txBody>
+      </p:sp>
+      <p:sp>
+        <p:nvSpPr>
+          <p:cNvPr id="3" name="Rectangle 3"/>
+          <p:cNvSpPr txBox="1">
+            <a:spLocks noChangeArrowheads="1"/>
+          </p:cNvSpPr>
+          <p:nvPr/>
+        </p:nvSpPr>
+        <p:spPr bwMode="auto">
+          <a:xfrm>
+            <a:off x="321449" y="1143000"/>
+            <a:ext cx="8102958" cy="4374232"/>
+          </a:xfrm>
+          <a:prstGeom prst="rect">
+            <a:avLst/>
+          </a:prstGeom>
+          <a:noFill/>
+          <a:ln w="9525">
+            <a:noFill/>
+            <a:miter lim="800000"/>
+            <a:headEnd/>
+            <a:tailEnd/>
+          </a:ln>
+        </p:spPr>
+        <p:txBody>
+          <a:bodyPr vert="horz" wrap="square" lIns="91440" tIns="45720" rIns="91440" bIns="45720" numCol="1" anchor="t" anchorCtr="0" compatLnSpc="1">
+            <a:prstTxWarp prst="textNoShape">
+              <a:avLst/>
+            </a:prstTxWarp>
+          </a:bodyPr>
+          <a:lstStyle/>
+          <a:p>
+            <a:pPr marL="342900" indent="-342900" eaLnBrk="0" fontAlgn="ctr" hangingPunct="0">
+              <a:spcAft>
+                <a:spcPts val="400"/>
+              </a:spcAft>
+              <a:buSzPct val="70000"/>
+              <a:buFont typeface="Wingdings" pitchFamily="2" charset="2"/>
+              <a:buChar char="Ø"/>
+            </a:pPr>
+            <a:r>
+              <a:rPr lang="zh-CN" altLang="en-US" sz="3200" b="1" dirty="0"/>
+              <a:t>查看本地日志，找到</a:t>
+            </a:r>
+            <a:r>
+              <a:rPr lang="en-US" altLang="zh-CN" sz="3200" b="1" dirty="0"/>
+              <a:t>index</a:t>
+            </a:r>
+            <a:r>
+              <a:rPr lang="zh-CN" altLang="en-US" sz="3200" b="1" dirty="0"/>
+              <a:t>和标识</a:t>
+            </a:r>
+            <a:endParaRPr lang="en-US" altLang="zh-CN" sz="3200" b="1" dirty="0"/>
+          </a:p>
+          <a:p>
+            <a:r>
+              <a:rPr lang="zh-CN" altLang="zh-CN" sz="3200" dirty="0"/>
+              <a:t>如：</a:t>
+            </a:r>
+          </a:p>
+          <a:p>
+            <a:r>
+              <a:rPr lang="en-US" altLang="zh-CN" sz="3200" dirty="0"/>
+              <a:t>20131016 11:04:46 586 ID[3788] </a:t>
+            </a:r>
+            <a:r>
+              <a:rPr lang="zh-CN" altLang="zh-CN" sz="3200" dirty="0"/>
+              <a:t>文件</a:t>
+            </a:r>
+            <a:r>
+              <a:rPr lang="en-US" altLang="zh-CN" sz="3200" dirty="0"/>
+              <a:t>[GateLink.cpp]</a:t>
+            </a:r>
+            <a:r>
+              <a:rPr lang="zh-CN" altLang="zh-CN" sz="3200" dirty="0"/>
+              <a:t>行</a:t>
+            </a:r>
+            <a:r>
+              <a:rPr lang="en-US" altLang="zh-CN" sz="3200" dirty="0"/>
+              <a:t>[379] </a:t>
+            </a:r>
+            <a:r>
+              <a:rPr lang="zh-CN" altLang="zh-CN" sz="3200" dirty="0"/>
+              <a:t>重要</a:t>
+            </a:r>
+            <a:r>
+              <a:rPr lang="en-US" altLang="zh-CN" sz="3200" dirty="0"/>
+              <a:t>  </a:t>
+            </a:r>
+            <a:r>
+              <a:rPr lang="zh-CN" altLang="zh-CN" sz="3200" dirty="0"/>
+              <a:t>错误 未收到</a:t>
+            </a:r>
+            <a:r>
+              <a:rPr lang="en-US" altLang="zh-CN" sz="3200" dirty="0">
+                <a:solidFill>
+                  <a:srgbClr val="FF0000"/>
+                </a:solidFill>
+              </a:rPr>
+              <a:t>index[67] </a:t>
+            </a:r>
+            <a:r>
+              <a:rPr lang="zh-CN" altLang="zh-CN" sz="3200" dirty="0">
+                <a:solidFill>
+                  <a:srgbClr val="FF0000"/>
+                </a:solidFill>
+              </a:rPr>
+              <a:t>标识</a:t>
+            </a:r>
+            <a:r>
+              <a:rPr lang="en-US" altLang="zh-CN" sz="3200" dirty="0">
+                <a:solidFill>
+                  <a:srgbClr val="FF0000"/>
+                </a:solidFill>
+              </a:rPr>
+              <a:t>[6] </a:t>
+            </a:r>
+            <a:r>
+              <a:rPr lang="zh-CN" altLang="zh-CN" sz="3200" dirty="0"/>
+              <a:t>交易码</a:t>
+            </a:r>
+            <a:r>
+              <a:rPr lang="en-US" altLang="zh-CN" sz="3200" dirty="0"/>
+              <a:t>[8004108] </a:t>
+            </a:r>
+            <a:r>
+              <a:rPr lang="zh-CN" altLang="zh-CN" sz="3200" dirty="0"/>
+              <a:t>的应答 超时</a:t>
+            </a:r>
+            <a:r>
+              <a:rPr lang="en-US" altLang="zh-CN" sz="3200" dirty="0"/>
+              <a:t>[180] time[1381892686] </a:t>
+            </a:r>
+            <a:r>
+              <a:rPr lang="zh-CN" altLang="zh-CN" sz="3200" dirty="0"/>
+              <a:t>用时</a:t>
+            </a:r>
+            <a:r>
+              <a:rPr lang="en-US" altLang="zh-CN" sz="3200" dirty="0"/>
+              <a:t>[198]</a:t>
+            </a:r>
+          </a:p>
+          <a:p>
+            <a:endParaRPr kumimoji="1" lang="en-US" altLang="zh-CN" sz="3200" dirty="0">
+              <a:ea typeface="黑体" pitchFamily="2" charset="-122"/>
+              <a:cs typeface="微软雅黑" charset="0"/>
+            </a:endParaRPr>
+          </a:p>
+          <a:p>
+            <a:r>
+              <a:rPr kumimoji="1" lang="en-US" altLang="zh-CN" sz="3200" dirty="0">
+                <a:ea typeface="黑体" pitchFamily="2" charset="-122"/>
+                <a:cs typeface="微软雅黑" charset="0"/>
+              </a:rPr>
+              <a:t>index</a:t>
+            </a:r>
+            <a:r>
+              <a:rPr kumimoji="1" lang="zh-CN" altLang="en-US" sz="3200" dirty="0">
+                <a:ea typeface="黑体" pitchFamily="2" charset="-122"/>
+                <a:cs typeface="微软雅黑" charset="0"/>
+              </a:rPr>
+              <a:t>表示后台网关针对本客户端的连接序号</a:t>
+            </a:r>
+            <a:endParaRPr kumimoji="1" lang="en-US" altLang="zh-CN" sz="3200" dirty="0">
+              <a:ea typeface="黑体" pitchFamily="2" charset="-122"/>
+              <a:cs typeface="微软雅黑" charset="0"/>
+            </a:endParaRPr>
+          </a:p>
+          <a:p>
+            <a:r>
+              <a:rPr kumimoji="1" lang="zh-CN" altLang="en-US" sz="3200" dirty="0">
+                <a:ea typeface="黑体" pitchFamily="2" charset="-122"/>
+                <a:cs typeface="微软雅黑" charset="0"/>
+              </a:rPr>
+              <a:t>标识表示本客户端本次请求的唯一标识</a:t>
+            </a:r>
+            <a:endParaRPr kumimoji="1" lang="en-US" altLang="zh-CN" sz="3200" dirty="0">
+              <a:ea typeface="黑体" pitchFamily="2" charset="-122"/>
+              <a:cs typeface="微软雅黑" charset="0"/>
+            </a:endParaRPr>
+          </a:p>
+        </p:txBody>
+      </p:sp>
+    </p:spTree>
+    <p:extLst>
+      <p:ext uri="{BB962C8B-B14F-4D97-AF65-F5344CB8AC3E}">
+        <p14:creationId xmlns:p14="http://schemas.microsoft.com/office/powerpoint/2010/main" val="121677271"/>
+      </p:ext>
+    </p:extLst>
+  </p:cSld>
+  <p:clrMapOvr>
+    <a:masterClrMapping/>
+  </p:clrMapOvr>
+</p:sld>
+</file>
+
+<file path=ppt/slides/slide45.xml><?xml version="1.0" encoding="utf-8"?>
+<p:sld xmlns:a="http://schemas.openxmlformats.org/drawingml/2006/main" xmlns:r="http://schemas.openxmlformats.org/officeDocument/2006/relationships" xmlns:p="http://schemas.openxmlformats.org/presentationml/2006/main">
+  <p:cSld>
+    <p:spTree>
+      <p:nvGrpSpPr>
+        <p:cNvPr id="1" name=""/>
+        <p:cNvGrpSpPr/>
+        <p:nvPr/>
+      </p:nvGrpSpPr>
+      <p:grpSpPr>
+        <a:xfrm>
+          <a:off x="0" y="0"/>
+          <a:ext cx="0" cy="0"/>
+          <a:chOff x="0" y="0"/>
+          <a:chExt cx="0" cy="0"/>
+        </a:xfrm>
+      </p:grpSpPr>
+      <p:sp>
+        <p:nvSpPr>
+          <p:cNvPr id="2" name="标题 1"/>
+          <p:cNvSpPr>
+            <a:spLocks noGrp="1"/>
+          </p:cNvSpPr>
+          <p:nvPr>
+            <p:ph type="title"/>
+          </p:nvPr>
+        </p:nvSpPr>
+        <p:spPr>
+          <a:xfrm>
+            <a:off x="428596" y="0"/>
+            <a:ext cx="8229600" cy="980728"/>
+          </a:xfrm>
+        </p:spPr>
+        <p:txBody>
+          <a:bodyPr>
+            <a:normAutofit/>
+          </a:bodyPr>
+          <a:lstStyle/>
+          <a:p>
+            <a:r>
+              <a:rPr lang="zh-CN" altLang="en-US" sz="4000" dirty="0"/>
+              <a:t>接入网关问题查找 </a:t>
+            </a:r>
+            <a:r>
+              <a:rPr lang="en-US" altLang="zh-CN" sz="4000" dirty="0"/>
               <a:t>2</a:t>
             </a:r>
             <a:endParaRPr lang="zh-CN" altLang="en-US" sz="4000" dirty="0"/>
@@ -15882,7 +16127,7 @@
 </p:sld>
 </file>
 
-<file path=ppt/slides/slide45.xml><?xml version="1.0" encoding="utf-8"?>
+<file path=ppt/slides/slide46.xml><?xml version="1.0" encoding="utf-8"?>
 <p:sld xmlns:a="http://schemas.openxmlformats.org/drawingml/2006/main" xmlns:r="http://schemas.openxmlformats.org/officeDocument/2006/relationships" xmlns:p="http://schemas.openxmlformats.org/presentationml/2006/main">
   <p:cSld>
     <p:spTree>
@@ -16083,7 +16328,7 @@
 </p:sld>
 </file>
 
-<file path=ppt/slides/slide46.xml><?xml version="1.0" encoding="utf-8"?>
+<file path=ppt/slides/slide47.xml><?xml version="1.0" encoding="utf-8"?>
 <p:sld xmlns:a="http://schemas.openxmlformats.org/drawingml/2006/main" xmlns:r="http://schemas.openxmlformats.org/officeDocument/2006/relationships" xmlns:p="http://schemas.openxmlformats.org/presentationml/2006/main">
   <p:cSld>
     <p:spTree>
@@ -16307,346 +16552,6 @@
 </p:sld>
 </file>
 
-<file path=ppt/slides/slide47.xml><?xml version="1.0" encoding="utf-8"?>
-<p:sld xmlns:a="http://schemas.openxmlformats.org/drawingml/2006/main" xmlns:r="http://schemas.openxmlformats.org/officeDocument/2006/relationships" xmlns:p="http://schemas.openxmlformats.org/presentationml/2006/main">
-  <p:cSld>
-    <p:spTree>
-      <p:nvGrpSpPr>
-        <p:cNvPr id="1" name=""/>
-        <p:cNvGrpSpPr/>
-        <p:nvPr/>
-      </p:nvGrpSpPr>
-      <p:grpSpPr>
-        <a:xfrm>
-          <a:off x="0" y="0"/>
-          <a:ext cx="0" cy="0"/>
-          <a:chOff x="0" y="0"/>
-          <a:chExt cx="0" cy="0"/>
-        </a:xfrm>
-      </p:grpSpPr>
-      <p:sp>
-        <p:nvSpPr>
-          <p:cNvPr id="2" name="标题 1"/>
-          <p:cNvSpPr>
-            <a:spLocks noGrp="1"/>
-          </p:cNvSpPr>
-          <p:nvPr>
-            <p:ph type="title"/>
-          </p:nvPr>
-        </p:nvSpPr>
-        <p:spPr>
-          <a:xfrm>
-            <a:off x="357158" y="0"/>
-            <a:ext cx="8229600" cy="1143000"/>
-          </a:xfrm>
-        </p:spPr>
-        <p:txBody>
-          <a:bodyPr/>
-          <a:lstStyle/>
-          <a:p>
-            <a:r>
-              <a:rPr lang="zh-CN" altLang="en-US" dirty="0"/>
-              <a:t>使用框架进行开发</a:t>
-            </a:r>
-          </a:p>
-        </p:txBody>
-      </p:sp>
-      <p:sp>
-        <p:nvSpPr>
-          <p:cNvPr id="3" name="Rectangle 3"/>
-          <p:cNvSpPr txBox="1">
-            <a:spLocks noChangeArrowheads="1"/>
-          </p:cNvSpPr>
-          <p:nvPr/>
-        </p:nvSpPr>
-        <p:spPr bwMode="auto">
-          <a:xfrm>
-            <a:off x="321449" y="1143000"/>
-            <a:ext cx="8102958" cy="5526360"/>
-          </a:xfrm>
-          <a:prstGeom prst="rect">
-            <a:avLst/>
-          </a:prstGeom>
-          <a:noFill/>
-          <a:ln w="9525">
-            <a:noFill/>
-            <a:miter lim="800000"/>
-            <a:headEnd/>
-            <a:tailEnd/>
-          </a:ln>
-        </p:spPr>
-        <p:txBody>
-          <a:bodyPr vert="horz" wrap="square" lIns="91440" tIns="45720" rIns="91440" bIns="45720" numCol="1" anchor="t" anchorCtr="0" compatLnSpc="1">
-            <a:prstTxWarp prst="textNoShape">
-              <a:avLst/>
-            </a:prstTxWarp>
-          </a:bodyPr>
-          <a:lstStyle/>
-          <a:p>
-            <a:pPr marL="342900" indent="-342900" eaLnBrk="0" fontAlgn="ctr" hangingPunct="0">
-              <a:spcAft>
-                <a:spcPts val="400"/>
-              </a:spcAft>
-              <a:buSzPct val="70000"/>
-              <a:buFont typeface="Wingdings" pitchFamily="2" charset="2"/>
-              <a:buChar char="Ø"/>
-            </a:pPr>
-            <a:r>
-              <a:rPr lang="zh-CN" altLang="en-US" sz="3200" b="1" dirty="0"/>
-              <a:t>结构设计，逻辑图。</a:t>
-            </a:r>
-            <a:endParaRPr lang="en-US" altLang="zh-CN" sz="3200" b="1" dirty="0"/>
-          </a:p>
-          <a:p>
-            <a:pPr marL="342900" indent="-342900" eaLnBrk="0" fontAlgn="ctr" hangingPunct="0">
-              <a:spcAft>
-                <a:spcPts val="400"/>
-              </a:spcAft>
-              <a:buSzPct val="70000"/>
-              <a:buFont typeface="Wingdings" pitchFamily="2" charset="2"/>
-              <a:buChar char="Ø"/>
-            </a:pPr>
-            <a:r>
-              <a:rPr lang="zh-CN" altLang="en-US" sz="3200" b="1" dirty="0"/>
-              <a:t>接口定义，前后台交互。</a:t>
-            </a:r>
-            <a:endParaRPr lang="en-US" altLang="zh-CN" sz="3200" b="1" dirty="0"/>
-          </a:p>
-          <a:p>
-            <a:pPr marL="342900" indent="-342900" eaLnBrk="0" fontAlgn="ctr" hangingPunct="0">
-              <a:spcAft>
-                <a:spcPts val="400"/>
-              </a:spcAft>
-              <a:buSzPct val="70000"/>
-              <a:buFont typeface="Wingdings" pitchFamily="2" charset="2"/>
-              <a:buChar char="Ø"/>
-            </a:pPr>
-            <a:r>
-              <a:rPr lang="zh-CN" altLang="en-US" sz="3200" b="1" dirty="0"/>
-              <a:t>业务开发（</a:t>
-            </a:r>
-            <a:r>
-              <a:rPr lang="en-US" altLang="zh-CN" sz="3200" b="1" dirty="0"/>
-              <a:t>C/C++</a:t>
-            </a:r>
-            <a:r>
-              <a:rPr lang="zh-CN" altLang="en-US" sz="3200" b="1" dirty="0"/>
-              <a:t>）</a:t>
-            </a:r>
-            <a:endParaRPr lang="en-US" altLang="zh-CN" sz="3200" b="1" dirty="0"/>
-          </a:p>
-          <a:p>
-            <a:pPr marL="800100" lvl="1" indent="-342900" eaLnBrk="0" fontAlgn="ctr" hangingPunct="0">
-              <a:spcAft>
-                <a:spcPts val="400"/>
-              </a:spcAft>
-              <a:buSzPct val="70000"/>
-              <a:buFont typeface="Wingdings" pitchFamily="2" charset="2"/>
-              <a:buChar char="Ø"/>
-            </a:pPr>
-            <a:r>
-              <a:rPr lang="zh-CN" altLang="en-US" sz="3200" b="1" dirty="0"/>
-              <a:t>生成业务动态库</a:t>
-            </a:r>
-            <a:endParaRPr lang="en-US" altLang="zh-CN" sz="3200" b="1" dirty="0"/>
-          </a:p>
-          <a:p>
-            <a:pPr marL="800100" lvl="1" indent="-342900" eaLnBrk="0" fontAlgn="ctr" hangingPunct="0">
-              <a:spcAft>
-                <a:spcPts val="400"/>
-              </a:spcAft>
-              <a:buSzPct val="70000"/>
-              <a:buFont typeface="Wingdings" pitchFamily="2" charset="2"/>
-              <a:buChar char="Ø"/>
-            </a:pPr>
-            <a:r>
-              <a:rPr lang="zh-CN" altLang="en-US" sz="3200" b="1" dirty="0"/>
-              <a:t>针对交易</a:t>
-            </a:r>
-            <a:r>
-              <a:rPr lang="en-US" altLang="zh-CN" sz="3200" b="1" dirty="0"/>
-              <a:t>(</a:t>
-            </a:r>
-            <a:r>
-              <a:rPr lang="zh-CN" altLang="en-US" sz="3200" b="1" dirty="0"/>
-              <a:t>接口</a:t>
-            </a:r>
-            <a:r>
-              <a:rPr lang="en-US" altLang="zh-CN" sz="3200" b="1" dirty="0"/>
-              <a:t>)</a:t>
-            </a:r>
-            <a:r>
-              <a:rPr lang="zh-CN" altLang="en-US" sz="3200" b="1" dirty="0"/>
-              <a:t>写业务代码</a:t>
-            </a:r>
-            <a:endParaRPr lang="en-US" altLang="zh-CN" sz="3200" b="1" dirty="0"/>
-          </a:p>
-          <a:p>
-            <a:pPr marL="800100" lvl="1" indent="-342900" eaLnBrk="0" fontAlgn="ctr" hangingPunct="0">
-              <a:spcAft>
-                <a:spcPts val="400"/>
-              </a:spcAft>
-              <a:buSzPct val="70000"/>
-              <a:buFont typeface="Wingdings" pitchFamily="2" charset="2"/>
-              <a:buChar char="Ø"/>
-            </a:pPr>
-            <a:r>
-              <a:rPr lang="zh-CN" altLang="en-US" sz="3200" b="1" dirty="0"/>
-              <a:t>用</a:t>
-            </a:r>
-            <a:r>
-              <a:rPr lang="en-US" altLang="zh-CN" sz="3200" b="1" dirty="0" err="1"/>
-              <a:t>drebclient</a:t>
-            </a:r>
-            <a:r>
-              <a:rPr lang="zh-CN" altLang="en-US" sz="3200" b="1" dirty="0"/>
-              <a:t>或</a:t>
-            </a:r>
-            <a:r>
-              <a:rPr lang="en-US" altLang="zh-CN" sz="3200" b="1" dirty="0" err="1"/>
-              <a:t>testcomm</a:t>
-            </a:r>
-            <a:r>
-              <a:rPr lang="zh-CN" altLang="en-US" sz="3200" b="1" dirty="0"/>
-              <a:t>做单元测试</a:t>
-            </a:r>
-            <a:endParaRPr lang="en-US" altLang="zh-CN" sz="3200" b="1" dirty="0"/>
-          </a:p>
-          <a:p>
-            <a:pPr marL="800100" lvl="1" indent="-342900" eaLnBrk="0" fontAlgn="ctr" hangingPunct="0">
-              <a:spcAft>
-                <a:spcPts val="400"/>
-              </a:spcAft>
-              <a:buSzPct val="70000"/>
-              <a:buFont typeface="Wingdings" pitchFamily="2" charset="2"/>
-              <a:buChar char="Ø"/>
-            </a:pPr>
-            <a:r>
-              <a:rPr lang="zh-CN" altLang="en-US" sz="3200" b="1" dirty="0"/>
-              <a:t>用</a:t>
-            </a:r>
-            <a:r>
-              <a:rPr lang="en-US" altLang="zh-CN" sz="3200" b="1" dirty="0" err="1"/>
-              <a:t>drebpmt</a:t>
-            </a:r>
-            <a:r>
-              <a:rPr lang="zh-CN" altLang="en-US" sz="3200" b="1" dirty="0"/>
-              <a:t>或</a:t>
-            </a:r>
-            <a:r>
-              <a:rPr lang="en-US" altLang="zh-CN" sz="3200" b="1" dirty="0" err="1"/>
-              <a:t>testfront</a:t>
-            </a:r>
-            <a:r>
-              <a:rPr lang="zh-CN" altLang="en-US" sz="3200" b="1" dirty="0"/>
-              <a:t>做性能测试</a:t>
-            </a:r>
-            <a:endParaRPr lang="en-US" altLang="zh-CN" sz="3200" b="1" dirty="0"/>
-          </a:p>
-          <a:p>
-            <a:pPr marL="342900" indent="-342900" eaLnBrk="0" fontAlgn="ctr" hangingPunct="0">
-              <a:spcAft>
-                <a:spcPts val="400"/>
-              </a:spcAft>
-              <a:buSzPct val="70000"/>
-              <a:buFont typeface="Wingdings" pitchFamily="2" charset="2"/>
-              <a:buChar char="Ø"/>
-            </a:pPr>
-            <a:r>
-              <a:rPr lang="zh-CN" altLang="en-US" sz="3200" b="1" dirty="0"/>
-              <a:t>业务开发（</a:t>
-            </a:r>
-            <a:r>
-              <a:rPr lang="en-US" altLang="zh-CN" sz="3200" b="1" dirty="0"/>
-              <a:t>JAVA</a:t>
-            </a:r>
-            <a:r>
-              <a:rPr lang="zh-CN" altLang="en-US" sz="3200" b="1" dirty="0"/>
-              <a:t>）</a:t>
-            </a:r>
-            <a:endParaRPr lang="en-US" altLang="zh-CN" sz="3200" b="1" dirty="0"/>
-          </a:p>
-          <a:p>
-            <a:pPr marL="800100" lvl="1" indent="-342900" eaLnBrk="0" fontAlgn="ctr" hangingPunct="0">
-              <a:spcAft>
-                <a:spcPts val="400"/>
-              </a:spcAft>
-              <a:buSzPct val="70000"/>
-              <a:buFont typeface="Wingdings" pitchFamily="2" charset="2"/>
-              <a:buChar char="Ø"/>
-            </a:pPr>
-            <a:r>
-              <a:rPr lang="zh-CN" altLang="en-US" sz="3200" b="1" dirty="0"/>
-              <a:t>见交易产品部</a:t>
-            </a:r>
-            <a:r>
-              <a:rPr lang="en-US" altLang="zh-CN" sz="3200" b="1" dirty="0"/>
-              <a:t>JAVA</a:t>
-            </a:r>
-            <a:r>
-              <a:rPr lang="zh-CN" altLang="en-US" sz="3200" b="1" dirty="0"/>
-              <a:t>开发说明</a:t>
-            </a:r>
-            <a:endParaRPr lang="en-US" altLang="zh-CN" sz="3200" b="1" dirty="0"/>
-          </a:p>
-          <a:p>
-            <a:pPr marL="800100" lvl="1" indent="-342900" eaLnBrk="0" fontAlgn="ctr" hangingPunct="0">
-              <a:spcAft>
-                <a:spcPts val="400"/>
-              </a:spcAft>
-              <a:buSzPct val="70000"/>
-              <a:buFont typeface="Wingdings" pitchFamily="2" charset="2"/>
-              <a:buChar char="Ø"/>
-            </a:pPr>
-            <a:r>
-              <a:rPr lang="zh-CN" altLang="en-US" sz="3200" b="1" dirty="0"/>
-              <a:t>测试同</a:t>
-            </a:r>
-            <a:r>
-              <a:rPr lang="en-US" altLang="zh-CN" sz="3200" b="1" dirty="0"/>
-              <a:t>C/C++</a:t>
-            </a:r>
-          </a:p>
-          <a:p>
-            <a:pPr marL="342900" indent="-342900" eaLnBrk="0" fontAlgn="ctr" hangingPunct="0">
-              <a:spcAft>
-                <a:spcPts val="400"/>
-              </a:spcAft>
-              <a:buSzPct val="70000"/>
-              <a:buFont typeface="Wingdings" pitchFamily="2" charset="2"/>
-              <a:buChar char="Ø"/>
-            </a:pPr>
-            <a:endParaRPr lang="en-US" altLang="zh-CN" sz="3200" b="1" dirty="0"/>
-          </a:p>
-          <a:p>
-            <a:pPr marL="342900" indent="-342900" eaLnBrk="0" fontAlgn="ctr" hangingPunct="0">
-              <a:spcAft>
-                <a:spcPts val="400"/>
-              </a:spcAft>
-              <a:buSzPct val="70000"/>
-              <a:buFont typeface="Wingdings" pitchFamily="2" charset="2"/>
-              <a:buChar char="Ø"/>
-            </a:pPr>
-            <a:endParaRPr kumimoji="1" lang="en-US" altLang="zh-CN" sz="3200" dirty="0">
-              <a:ea typeface="黑体" pitchFamily="2" charset="-122"/>
-              <a:cs typeface="微软雅黑" charset="0"/>
-            </a:endParaRPr>
-          </a:p>
-        </p:txBody>
-      </p:sp>
-    </p:spTree>
-    <p:extLst>
-      <p:ext uri="{BB962C8B-B14F-4D97-AF65-F5344CB8AC3E}">
-        <p14:creationId xmlns:p14="http://schemas.microsoft.com/office/powerpoint/2010/main" val="3901031951"/>
-      </p:ext>
-    </p:extLst>
-  </p:cSld>
-  <p:clrMapOvr>
-    <a:masterClrMapping/>
-  </p:clrMapOvr>
-</p:sld>
-</file>
-
 <file path=ppt/slides/slide48.xml><?xml version="1.0" encoding="utf-8"?>
 <p:sld xmlns:a="http://schemas.openxmlformats.org/drawingml/2006/main" xmlns:r="http://schemas.openxmlformats.org/officeDocument/2006/relationships" xmlns:p="http://schemas.openxmlformats.org/presentationml/2006/main">
   <p:cSld>
@@ -16686,7 +16591,7 @@
           <a:p>
             <a:r>
               <a:rPr lang="zh-CN" altLang="en-US" dirty="0"/>
-              <a:t>日志级别</a:t>
+              <a:t>使用框架进行开发</a:t>
             </a:r>
           </a:p>
         </p:txBody>
@@ -16732,147 +16637,231 @@
               <a:buChar char="Ø"/>
             </a:pPr>
             <a:r>
-              <a:rPr lang="en-US" altLang="zh-CN" sz="3200" b="1" dirty="0"/>
-              <a:t>-1 </a:t>
-            </a:r>
-            <a:r>
               <a:rPr lang="zh-CN" altLang="en-US" sz="3200" b="1" dirty="0"/>
-              <a:t>必写的信息</a:t>
+              <a:t>结构设计，逻辑图。</a:t>
             </a:r>
             <a:endParaRPr lang="en-US" altLang="zh-CN" sz="3200" b="1" dirty="0"/>
           </a:p>
           <a:p>
-            <a:pPr eaLnBrk="0" fontAlgn="ctr" hangingPunct="0">
+            <a:pPr marL="342900" indent="-342900" eaLnBrk="0" fontAlgn="ctr" hangingPunct="0">
               <a:spcAft>
                 <a:spcPts val="400"/>
               </a:spcAft>
               <a:buSzPct val="70000"/>
+              <a:buFont typeface="Wingdings" pitchFamily="2" charset="2"/>
+              <a:buChar char="Ø"/>
             </a:pPr>
             <a:r>
-              <a:rPr lang="en-US" altLang="zh-CN" sz="3200" b="1" dirty="0"/>
-              <a:t>     0-2  ERROR</a:t>
-            </a:r>
-          </a:p>
-          <a:p>
-            <a:pPr eaLnBrk="0" fontAlgn="ctr" hangingPunct="0">
+              <a:rPr lang="zh-CN" altLang="en-US" sz="3200" b="1" dirty="0"/>
+              <a:t>接口定义，前后台交互。</a:t>
+            </a:r>
+            <a:endParaRPr lang="en-US" altLang="zh-CN" sz="3200" b="1" dirty="0"/>
+          </a:p>
+          <a:p>
+            <a:pPr marL="342900" indent="-342900" eaLnBrk="0" fontAlgn="ctr" hangingPunct="0">
               <a:spcAft>
                 <a:spcPts val="400"/>
               </a:spcAft>
               <a:buSzPct val="70000"/>
+              <a:buFont typeface="Wingdings" pitchFamily="2" charset="2"/>
+              <a:buChar char="Ø"/>
             </a:pPr>
             <a:r>
+              <a:rPr lang="zh-CN" altLang="en-US" sz="3200" b="1" dirty="0"/>
+              <a:t>业务开发（</a:t>
+            </a:r>
+            <a:r>
               <a:rPr lang="en-US" altLang="zh-CN" sz="3200" b="1" dirty="0"/>
-              <a:t>     3  </a:t>
+              <a:t>C/C++</a:t>
             </a:r>
             <a:r>
               <a:rPr lang="zh-CN" altLang="en-US" sz="3200" b="1" dirty="0"/>
-              <a:t>警告</a:t>
+              <a:t>）</a:t>
             </a:r>
             <a:endParaRPr lang="en-US" altLang="zh-CN" sz="3200" b="1" dirty="0"/>
           </a:p>
           <a:p>
-            <a:pPr eaLnBrk="0" fontAlgn="ctr" hangingPunct="0">
+            <a:pPr marL="800100" lvl="1" indent="-342900" eaLnBrk="0" fontAlgn="ctr" hangingPunct="0">
               <a:spcAft>
                 <a:spcPts val="400"/>
               </a:spcAft>
               <a:buSzPct val="70000"/>
+              <a:buFont typeface="Wingdings" pitchFamily="2" charset="2"/>
+              <a:buChar char="Ø"/>
             </a:pPr>
             <a:r>
-              <a:rPr lang="en-US" altLang="zh-CN" sz="3200" b="1" dirty="0"/>
-              <a:t>     4 </a:t>
-            </a:r>
-            <a:r>
               <a:rPr lang="zh-CN" altLang="en-US" sz="3200" b="1" dirty="0"/>
-              <a:t>提示</a:t>
+              <a:t>生成业务动态库</a:t>
             </a:r>
             <a:endParaRPr lang="en-US" altLang="zh-CN" sz="3200" b="1" dirty="0"/>
           </a:p>
           <a:p>
-            <a:pPr eaLnBrk="0" fontAlgn="ctr" hangingPunct="0">
+            <a:pPr marL="800100" lvl="1" indent="-342900" eaLnBrk="0" fontAlgn="ctr" hangingPunct="0">
               <a:spcAft>
                 <a:spcPts val="400"/>
               </a:spcAft>
               <a:buSzPct val="70000"/>
+              <a:buFont typeface="Wingdings" pitchFamily="2" charset="2"/>
+              <a:buChar char="Ø"/>
             </a:pPr>
             <a:r>
+              <a:rPr lang="zh-CN" altLang="en-US" sz="3200" b="1" dirty="0"/>
+              <a:t>针对交易</a:t>
+            </a:r>
+            <a:r>
               <a:rPr lang="en-US" altLang="zh-CN" sz="3200" b="1" dirty="0"/>
-              <a:t>     5 DEBUG </a:t>
-            </a:r>
-          </a:p>
-          <a:p>
-            <a:pPr eaLnBrk="0" fontAlgn="ctr" hangingPunct="0">
+              <a:t>(</a:t>
+            </a:r>
+            <a:r>
+              <a:rPr lang="zh-CN" altLang="en-US" sz="3200" b="1" dirty="0"/>
+              <a:t>接口</a:t>
+            </a:r>
+            <a:r>
+              <a:rPr lang="en-US" altLang="zh-CN" sz="3200" b="1" dirty="0"/>
+              <a:t>)</a:t>
+            </a:r>
+            <a:r>
+              <a:rPr lang="zh-CN" altLang="en-US" sz="3200" b="1" dirty="0"/>
+              <a:t>写业务代码</a:t>
+            </a:r>
+            <a:endParaRPr lang="en-US" altLang="zh-CN" sz="3200" b="1" dirty="0"/>
+          </a:p>
+          <a:p>
+            <a:pPr marL="800100" lvl="1" indent="-342900" eaLnBrk="0" fontAlgn="ctr" hangingPunct="0">
               <a:spcAft>
                 <a:spcPts val="400"/>
               </a:spcAft>
               <a:buSzPct val="70000"/>
+              <a:buFont typeface="Wingdings" pitchFamily="2" charset="2"/>
+              <a:buChar char="Ø"/>
             </a:pPr>
             <a:r>
-              <a:rPr lang="en-US" altLang="zh-CN" sz="3200" b="1" dirty="0"/>
-              <a:t>     </a:t>
-            </a:r>
-            <a:r>
               <a:rPr lang="zh-CN" altLang="en-US" sz="3200" b="1" dirty="0"/>
-              <a:t>大于</a:t>
-            </a:r>
-            <a:r>
-              <a:rPr lang="en-US" altLang="zh-CN" sz="3200" b="1" dirty="0"/>
-              <a:t>5</a:t>
+              <a:t>用</a:t>
+            </a:r>
+            <a:r>
+              <a:rPr lang="en-US" altLang="zh-CN" sz="3200" b="1" dirty="0" err="1"/>
+              <a:t>drebclient</a:t>
             </a:r>
             <a:r>
               <a:rPr lang="zh-CN" altLang="en-US" sz="3200" b="1" dirty="0"/>
-              <a:t>，更多的日志信息</a:t>
+              <a:t>或</a:t>
+            </a:r>
+            <a:r>
+              <a:rPr lang="en-US" altLang="zh-CN" sz="3200" b="1" dirty="0" err="1"/>
+              <a:t>testcomm</a:t>
+            </a:r>
+            <a:r>
+              <a:rPr lang="zh-CN" altLang="en-US" sz="3200" b="1" dirty="0"/>
+              <a:t>做单元测试</a:t>
             </a:r>
             <a:endParaRPr lang="en-US" altLang="zh-CN" sz="3200" b="1" dirty="0"/>
           </a:p>
           <a:p>
-            <a:pPr eaLnBrk="0" fontAlgn="ctr" hangingPunct="0">
+            <a:pPr marL="800100" lvl="1" indent="-342900" eaLnBrk="0" fontAlgn="ctr" hangingPunct="0">
               <a:spcAft>
                 <a:spcPts val="400"/>
               </a:spcAft>
               <a:buSzPct val="70000"/>
+              <a:buFont typeface="Wingdings" pitchFamily="2" charset="2"/>
+              <a:buChar char="Ø"/>
             </a:pPr>
+            <a:r>
+              <a:rPr lang="zh-CN" altLang="en-US" sz="3200" b="1" dirty="0"/>
+              <a:t>用</a:t>
+            </a:r>
+            <a:r>
+              <a:rPr lang="en-US" altLang="zh-CN" sz="3200" b="1" dirty="0" err="1"/>
+              <a:t>drebpmt</a:t>
+            </a:r>
+            <a:r>
+              <a:rPr lang="zh-CN" altLang="en-US" sz="3200" b="1" dirty="0"/>
+              <a:t>或</a:t>
+            </a:r>
+            <a:r>
+              <a:rPr lang="en-US" altLang="zh-CN" sz="3200" b="1" dirty="0" err="1"/>
+              <a:t>testfront</a:t>
+            </a:r>
+            <a:r>
+              <a:rPr lang="zh-CN" altLang="en-US" sz="3200" b="1" dirty="0"/>
+              <a:t>做性能测试</a:t>
+            </a:r>
             <a:endParaRPr lang="en-US" altLang="zh-CN" sz="3200" b="1" dirty="0"/>
           </a:p>
           <a:p>
-            <a:pPr eaLnBrk="0" fontAlgn="ctr" hangingPunct="0">
+            <a:pPr marL="342900" indent="-342900" eaLnBrk="0" fontAlgn="ctr" hangingPunct="0">
               <a:spcAft>
                 <a:spcPts val="400"/>
               </a:spcAft>
               <a:buSzPct val="70000"/>
+              <a:buFont typeface="Wingdings" pitchFamily="2" charset="2"/>
+              <a:buChar char="Ø"/>
             </a:pPr>
             <a:r>
               <a:rPr lang="zh-CN" altLang="en-US" sz="3200" b="1" dirty="0"/>
-              <a:t>在调用</a:t>
+              <a:t>业务开发（</a:t>
             </a:r>
             <a:r>
               <a:rPr lang="en-US" altLang="zh-CN" sz="3200" b="1" dirty="0"/>
-              <a:t>Log</a:t>
+              <a:t>JAVA</a:t>
             </a:r>
             <a:r>
               <a:rPr lang="zh-CN" altLang="en-US" sz="3200" b="1" dirty="0"/>
-              <a:t>写入时，第一个参数为</a:t>
-            </a:r>
-            <a:r>
-              <a:rPr lang="en-US" altLang="zh-CN" sz="3200" b="1" dirty="0" err="1"/>
-              <a:t>loglevel</a:t>
-            </a:r>
-            <a:r>
-              <a:rPr lang="zh-CN" altLang="en-US" sz="3200" b="1" dirty="0"/>
-              <a:t>，编码人员按以上级别传入。</a:t>
+              <a:t>）</a:t>
             </a:r>
             <a:endParaRPr lang="en-US" altLang="zh-CN" sz="3200" b="1" dirty="0"/>
           </a:p>
           <a:p>
-            <a:pPr eaLnBrk="0" fontAlgn="ctr" hangingPunct="0">
+            <a:pPr marL="800100" lvl="1" indent="-342900" eaLnBrk="0" fontAlgn="ctr" hangingPunct="0">
               <a:spcAft>
                 <a:spcPts val="400"/>
               </a:spcAft>
               <a:buSzPct val="70000"/>
+              <a:buFont typeface="Wingdings" pitchFamily="2" charset="2"/>
+              <a:buChar char="Ø"/>
             </a:pPr>
             <a:r>
+              <a:rPr lang="zh-CN" altLang="en-US" sz="3200" b="1" dirty="0"/>
+              <a:t>见交易产品部</a:t>
+            </a:r>
+            <a:r>
               <a:rPr lang="en-US" altLang="zh-CN" sz="3200" b="1" dirty="0"/>
-              <a:t>   </a:t>
-            </a:r>
+              <a:t>JAVA</a:t>
+            </a:r>
+            <a:r>
+              <a:rPr lang="zh-CN" altLang="en-US" sz="3200" b="1" dirty="0"/>
+              <a:t>开发说明</a:t>
+            </a:r>
+            <a:endParaRPr lang="en-US" altLang="zh-CN" sz="3200" b="1" dirty="0"/>
+          </a:p>
+          <a:p>
+            <a:pPr marL="800100" lvl="1" indent="-342900" eaLnBrk="0" fontAlgn="ctr" hangingPunct="0">
+              <a:spcAft>
+                <a:spcPts val="400"/>
+              </a:spcAft>
+              <a:buSzPct val="70000"/>
+              <a:buFont typeface="Wingdings" pitchFamily="2" charset="2"/>
+              <a:buChar char="Ø"/>
+            </a:pPr>
+            <a:r>
+              <a:rPr lang="zh-CN" altLang="en-US" sz="3200" b="1" dirty="0"/>
+              <a:t>测试同</a:t>
+            </a:r>
+            <a:r>
+              <a:rPr lang="en-US" altLang="zh-CN" sz="3200" b="1" dirty="0"/>
+              <a:t>C/C++</a:t>
+            </a:r>
+          </a:p>
+          <a:p>
+            <a:pPr marL="342900" indent="-342900" eaLnBrk="0" fontAlgn="ctr" hangingPunct="0">
+              <a:spcAft>
+                <a:spcPts val="400"/>
+              </a:spcAft>
+              <a:buSzPct val="70000"/>
+              <a:buFont typeface="Wingdings" pitchFamily="2" charset="2"/>
+              <a:buChar char="Ø"/>
+            </a:pPr>
+            <a:endParaRPr lang="en-US" altLang="zh-CN" sz="3200" b="1" dirty="0"/>
           </a:p>
           <a:p>
             <a:pPr marL="342900" indent="-342900" eaLnBrk="0" fontAlgn="ctr" hangingPunct="0">
@@ -16893,7 +16882,7 @@
     </p:spTree>
     <p:extLst>
       <p:ext uri="{BB962C8B-B14F-4D97-AF65-F5344CB8AC3E}">
-        <p14:creationId xmlns:p14="http://schemas.microsoft.com/office/powerpoint/2010/main" val="361034894"/>
+        <p14:creationId xmlns:p14="http://schemas.microsoft.com/office/powerpoint/2010/main" val="3901031951"/>
       </p:ext>
     </p:extLst>
   </p:cSld>
@@ -16942,7 +16931,7 @@
           <a:p>
             <a:r>
               <a:rPr lang="zh-CN" altLang="en-US" dirty="0"/>
-              <a:t>使用</a:t>
+              <a:t>日志级别</a:t>
             </a:r>
           </a:p>
         </p:txBody>
@@ -16988,29 +16977,14 @@
               <a:buChar char="Ø"/>
             </a:pPr>
             <a:r>
+              <a:rPr lang="en-US" altLang="zh-CN" sz="3200" b="1" dirty="0"/>
+              <a:t>-1 </a:t>
+            </a:r>
+            <a:r>
               <a:rPr lang="zh-CN" altLang="en-US" sz="3200" b="1" dirty="0"/>
-              <a:t>总线、</a:t>
-            </a:r>
-            <a:r>
-              <a:rPr lang="en-US" altLang="zh-CN" sz="3200" b="1" dirty="0"/>
-              <a:t>SAP</a:t>
-            </a:r>
-            <a:r>
-              <a:rPr lang="zh-CN" altLang="en-US" sz="3200" b="1" dirty="0"/>
-              <a:t>、</a:t>
-            </a:r>
-            <a:r>
-              <a:rPr lang="en-US" altLang="zh-CN" sz="3200" b="1" dirty="0"/>
-              <a:t>SPU</a:t>
-            </a:r>
-            <a:r>
-              <a:rPr lang="zh-CN" altLang="en-US" sz="3200" b="1" dirty="0"/>
-              <a:t>等可以在运行当中更改日志级别</a:t>
-            </a:r>
-            <a:r>
-              <a:rPr lang="en-US" altLang="zh-CN" sz="3200" b="1" dirty="0"/>
-              <a:t>   </a:t>
-            </a:r>
+              <a:t>必写的信息</a:t>
+            </a:r>
+            <a:endParaRPr lang="en-US" altLang="zh-CN" sz="3200" b="1" dirty="0"/>
           </a:p>
           <a:p>
             <a:pPr eaLnBrk="0" fontAlgn="ctr" hangingPunct="0">
@@ -17020,24 +16994,8 @@
               <a:buSzPct val="70000"/>
             </a:pPr>
             <a:r>
-              <a:rPr lang="en-US" altLang="zh-CN" sz="3200" dirty="0"/>
-              <a:t>      </a:t>
-            </a:r>
-            <a:r>
-              <a:rPr lang="en-US" altLang="zh-CN" sz="3200" dirty="0" err="1"/>
-              <a:t>bfdreb</a:t>
-            </a:r>
-            <a:r>
-              <a:rPr lang="en-US" altLang="zh-CN" sz="3200" dirty="0"/>
-              <a:t>  -ml5      </a:t>
-            </a:r>
-            <a:r>
-              <a:rPr lang="zh-CN" altLang="en-US" sz="3200" dirty="0"/>
-              <a:t>修改日志级别为</a:t>
-            </a:r>
-            <a:r>
-              <a:rPr lang="en-US" altLang="zh-CN" sz="3200" dirty="0"/>
-              <a:t>5</a:t>
+              <a:rPr lang="en-US" altLang="zh-CN" sz="3200" b="1" dirty="0"/>
+              <a:t>     0-2  ERROR</a:t>
             </a:r>
           </a:p>
           <a:p>
@@ -17048,90 +17006,118 @@
               <a:buSzPct val="70000"/>
             </a:pPr>
             <a:r>
-              <a:rPr lang="en-US" altLang="zh-CN" sz="3200" dirty="0"/>
-              <a:t>      </a:t>
-            </a:r>
-            <a:r>
-              <a:rPr lang="en-US" altLang="zh-CN" sz="3200" dirty="0" err="1"/>
-              <a:t>bfdreb</a:t>
-            </a:r>
-            <a:r>
-              <a:rPr lang="en-US" altLang="zh-CN" sz="3200" dirty="0"/>
-              <a:t>  –md5    </a:t>
-            </a:r>
-            <a:r>
-              <a:rPr lang="zh-CN" altLang="en-US" sz="3200" dirty="0"/>
-              <a:t>修改报文日志级别为</a:t>
-            </a:r>
-            <a:r>
-              <a:rPr lang="en-US" altLang="zh-CN" sz="3200" dirty="0"/>
-              <a:t>5</a:t>
-            </a:r>
-          </a:p>
-          <a:p>
-            <a:pPr marL="342900" indent="-342900" eaLnBrk="0" fontAlgn="ctr" hangingPunct="0">
+              <a:rPr lang="en-US" altLang="zh-CN" sz="3200" b="1" dirty="0"/>
+              <a:t>     3  </a:t>
+            </a:r>
+            <a:r>
+              <a:rPr lang="zh-CN" altLang="en-US" sz="3200" b="1" dirty="0"/>
+              <a:t>警告</a:t>
+            </a:r>
+            <a:endParaRPr lang="en-US" altLang="zh-CN" sz="3200" b="1" dirty="0"/>
+          </a:p>
+          <a:p>
+            <a:pPr eaLnBrk="0" fontAlgn="ctr" hangingPunct="0">
               <a:spcAft>
                 <a:spcPts val="400"/>
               </a:spcAft>
               <a:buSzPct val="70000"/>
-              <a:buFont typeface="Wingdings" pitchFamily="2" charset="2"/>
-              <a:buChar char="Ø"/>
             </a:pPr>
             <a:r>
+              <a:rPr lang="en-US" altLang="zh-CN" sz="3200" b="1" dirty="0"/>
+              <a:t>     4 </a:t>
+            </a:r>
+            <a:r>
               <a:rPr lang="zh-CN" altLang="en-US" sz="3200" b="1" dirty="0"/>
-              <a:t>业务动态库中功能，有版本号，框架加载时，只保留版本最新的功能号进行注册。</a:t>
+              <a:t>提示</a:t>
             </a:r>
             <a:endParaRPr lang="en-US" altLang="zh-CN" sz="3200" b="1" dirty="0"/>
           </a:p>
           <a:p>
-            <a:pPr marL="342900" indent="-342900" eaLnBrk="0" fontAlgn="ctr" hangingPunct="0">
+            <a:pPr eaLnBrk="0" fontAlgn="ctr" hangingPunct="0">
               <a:spcAft>
                 <a:spcPts val="400"/>
               </a:spcAft>
               <a:buSzPct val="70000"/>
-              <a:buFont typeface="Wingdings" pitchFamily="2" charset="2"/>
-              <a:buChar char="Ø"/>
             </a:pPr>
             <a:r>
               <a:rPr lang="en-US" altLang="zh-CN" sz="3200" b="1" dirty="0"/>
-              <a:t>SAP</a:t>
-            </a:r>
-            <a:r>
-              <a:rPr lang="zh-CN" altLang="en-US" sz="3200" b="1" dirty="0"/>
-              <a:t>分派功能时，根据功能的优先级别，优先发派级别高的</a:t>
-            </a:r>
-            <a:endParaRPr lang="en-US" altLang="zh-CN" sz="3200" b="1" dirty="0"/>
-          </a:p>
-          <a:p>
-            <a:pPr marL="342900" indent="-342900" eaLnBrk="0" fontAlgn="ctr" hangingPunct="0">
+              <a:t>     5 DEBUG </a:t>
+            </a:r>
+          </a:p>
+          <a:p>
+            <a:pPr eaLnBrk="0" fontAlgn="ctr" hangingPunct="0">
               <a:spcAft>
                 <a:spcPts val="400"/>
               </a:spcAft>
               <a:buSzPct val="70000"/>
-              <a:buFont typeface="Wingdings" pitchFamily="2" charset="2"/>
-              <a:buChar char="Ø"/>
             </a:pPr>
             <a:r>
+              <a:rPr lang="en-US" altLang="zh-CN" sz="3200" b="1" dirty="0"/>
+              <a:t>     </a:t>
+            </a:r>
+            <a:r>
+              <a:rPr lang="zh-CN" altLang="en-US" sz="3200" b="1" dirty="0"/>
+              <a:t>大于</a:t>
+            </a:r>
+            <a:r>
+              <a:rPr lang="en-US" altLang="zh-CN" sz="3200" b="1" dirty="0"/>
+              <a:t>5</a:t>
+            </a:r>
+            <a:r>
+              <a:rPr lang="zh-CN" altLang="en-US" sz="3200" b="1" dirty="0"/>
+              <a:t>，更多的日志信息</a:t>
+            </a:r>
+            <a:endParaRPr lang="en-US" altLang="zh-CN" sz="3200" b="1" dirty="0"/>
+          </a:p>
+          <a:p>
+            <a:pPr eaLnBrk="0" fontAlgn="ctr" hangingPunct="0">
+              <a:spcAft>
+                <a:spcPts val="400"/>
+              </a:spcAft>
+              <a:buSzPct val="70000"/>
+            </a:pPr>
+            <a:endParaRPr lang="en-US" altLang="zh-CN" sz="3200" b="1" dirty="0"/>
+          </a:p>
+          <a:p>
+            <a:pPr eaLnBrk="0" fontAlgn="ctr" hangingPunct="0">
+              <a:spcAft>
+                <a:spcPts val="400"/>
+              </a:spcAft>
+              <a:buSzPct val="70000"/>
+            </a:pPr>
+            <a:r>
+              <a:rPr lang="zh-CN" altLang="en-US" sz="3200" b="1" dirty="0"/>
+              <a:t>在调用</a:t>
+            </a:r>
+            <a:r>
+              <a:rPr lang="en-US" altLang="zh-CN" sz="3200" b="1" dirty="0"/>
+              <a:t>Log</a:t>
+            </a:r>
+            <a:r>
+              <a:rPr lang="zh-CN" altLang="en-US" sz="3200" b="1" dirty="0"/>
+              <a:t>写入时，第一个参数为</a:t>
+            </a:r>
+            <a:r>
               <a:rPr lang="en-US" altLang="zh-CN" sz="3200" b="1" dirty="0" err="1"/>
-              <a:t>bfdaemon</a:t>
-            </a:r>
+              <a:t>loglevel</a:t>
+            </a:r>
+            <a:r>
+              <a:rPr lang="zh-CN" altLang="en-US" sz="3200" b="1" dirty="0"/>
+              <a:t>，编码人员按以上级别传入。</a:t>
+            </a:r>
+            <a:endParaRPr lang="en-US" altLang="zh-CN" sz="3200" b="1" dirty="0"/>
+          </a:p>
+          <a:p>
+            <a:pPr eaLnBrk="0" fontAlgn="ctr" hangingPunct="0">
+              <a:spcAft>
+                <a:spcPts val="400"/>
+              </a:spcAft>
+              <a:buSzPct val="70000"/>
+            </a:pPr>
             <a:r>
               <a:rPr lang="en-US" altLang="zh-CN" sz="3200" b="1" dirty="0"/>
-              <a:t> </a:t>
-            </a:r>
-            <a:r>
-              <a:rPr lang="zh-CN" altLang="en-US" sz="3200" b="1" dirty="0"/>
-              <a:t>进程守护程序可以在程序</a:t>
-            </a:r>
-            <a:r>
-              <a:rPr lang="en-US" altLang="zh-CN" sz="3200" b="1" dirty="0"/>
-              <a:t>core</a:t>
-            </a:r>
-            <a:r>
-              <a:rPr lang="zh-CN" altLang="en-US" sz="3200" b="1" dirty="0"/>
-              <a:t>掉后自动拉起</a:t>
-            </a:r>
-            <a:endParaRPr lang="en-US" altLang="zh-CN" sz="3200" b="1" dirty="0"/>
+              <a:t>   </a:t>
+            </a:r>
           </a:p>
           <a:p>
             <a:pPr marL="342900" indent="-342900" eaLnBrk="0" fontAlgn="ctr" hangingPunct="0">
@@ -17152,7 +17138,7 @@
     </p:spTree>
     <p:extLst>
       <p:ext uri="{BB962C8B-B14F-4D97-AF65-F5344CB8AC3E}">
-        <p14:creationId xmlns:p14="http://schemas.microsoft.com/office/powerpoint/2010/main" val="2364350386"/>
+        <p14:creationId xmlns:p14="http://schemas.microsoft.com/office/powerpoint/2010/main" val="361034894"/>
       </p:ext>
     </p:extLst>
   </p:cSld>
@@ -17252,76 +17238,36 @@
           </a:p>
         </p:txBody>
       </p:sp>
-      <p:graphicFrame>
-        <p:nvGraphicFramePr>
-          <p:cNvPr id="5" name="Object 4"/>
-          <p:cNvGraphicFramePr>
-            <a:graphicFrameLocks noChangeAspect="1"/>
-          </p:cNvGraphicFramePr>
-          <p:nvPr>
-            <p:extLst>
-              <p:ext uri="{D42A27DB-BD31-4B8C-83A1-F6EECF244321}">
-                <p14:modId xmlns:p14="http://schemas.microsoft.com/office/powerpoint/2010/main" val="390610862"/>
-              </p:ext>
-            </p:extLst>
-          </p:nvPr>
-        </p:nvGraphicFramePr>
-        <p:xfrm>
-          <a:off x="179512" y="1196752"/>
-          <a:ext cx="8712968" cy="5328592"/>
-        </p:xfrm>
-        <a:graphic>
-          <a:graphicData uri="http://schemas.openxmlformats.org/presentationml/2006/ole">
-            <mc:AlternateContent xmlns:mc="http://schemas.openxmlformats.org/markup-compatibility/2006">
-              <mc:Choice xmlns:v="urn:schemas-microsoft-com:vml" Requires="v">
-                <p:oleObj spid="_x0000_s2217" name="Visio" r:id="rId4" imgW="9858510" imgH="5943600" progId="Visio.Drawing.11">
-                  <p:embed/>
-                </p:oleObj>
-              </mc:Choice>
-              <mc:Fallback>
-                <p:oleObj name="Visio" r:id="rId4" imgW="9858510" imgH="5943600" progId="Visio.Drawing.11">
-                  <p:embed/>
-                  <p:pic>
-                    <p:nvPicPr>
-                      <p:cNvPr id="0" name=""/>
-                      <p:cNvPicPr>
-                        <a:picLocks noChangeAspect="1" noChangeArrowheads="1"/>
-                      </p:cNvPicPr>
-                      <p:nvPr/>
-                    </p:nvPicPr>
-                    <p:blipFill>
-                      <a:blip r:embed="rId5"/>
-                      <a:srcRect/>
-                      <a:stretch>
-                        <a:fillRect/>
-                      </a:stretch>
-                    </p:blipFill>
-                    <p:spPr bwMode="auto">
-                      <a:xfrm>
-                        <a:off x="179512" y="1196752"/>
-                        <a:ext cx="8712968" cy="5328592"/>
-                      </a:xfrm>
-                      <a:prstGeom prst="rect">
-                        <a:avLst/>
-                      </a:prstGeom>
-                      <a:noFill/>
-                      <a:extLst>
-                        <a:ext uri="{909E8E84-426E-40DD-AFC4-6F175D3DCCD1}">
-                          <a14:hiddenFill xmlns:a14="http://schemas.microsoft.com/office/drawing/2010/main">
-                            <a:solidFill>
-                              <a:srgbClr val="FFFFFF"/>
-                            </a:solidFill>
-                          </a14:hiddenFill>
-                        </a:ext>
-                      </a:extLst>
-                    </p:spPr>
-                  </p:pic>
-                </p:oleObj>
-              </mc:Fallback>
-            </mc:AlternateContent>
-          </a:graphicData>
-        </a:graphic>
-      </p:graphicFrame>
+      <p:pic>
+        <p:nvPicPr>
+          <p:cNvPr id="7" name="图片 6">
+            <a:extLst>
+              <a:ext uri="{FF2B5EF4-FFF2-40B4-BE49-F238E27FC236}">
+                <a16:creationId xmlns:a16="http://schemas.microsoft.com/office/drawing/2014/main" id="{93C70C43-DAD1-4277-B5C9-A1743AFF53D5}"/>
+              </a:ext>
+            </a:extLst>
+          </p:cNvPr>
+          <p:cNvPicPr>
+            <a:picLocks noChangeAspect="1"/>
+          </p:cNvPicPr>
+          <p:nvPr/>
+        </p:nvPicPr>
+        <p:blipFill>
+          <a:blip r:embed="rId3"/>
+          <a:stretch>
+            <a:fillRect/>
+          </a:stretch>
+        </p:blipFill>
+        <p:spPr>
+          <a:xfrm>
+            <a:off x="0" y="842594"/>
+            <a:ext cx="9036496" cy="5672571"/>
+          </a:xfrm>
+          <a:prstGeom prst="rect">
+            <a:avLst/>
+          </a:prstGeom>
+        </p:spPr>
+      </p:pic>
     </p:spTree>
   </p:cSld>
   <p:clrMapOvr>
@@ -17331,6 +17277,265 @@
 </file>
 
 <file path=ppt/slides/slide50.xml><?xml version="1.0" encoding="utf-8"?>
+<p:sld xmlns:a="http://schemas.openxmlformats.org/drawingml/2006/main" xmlns:r="http://schemas.openxmlformats.org/officeDocument/2006/relationships" xmlns:p="http://schemas.openxmlformats.org/presentationml/2006/main">
+  <p:cSld>
+    <p:spTree>
+      <p:nvGrpSpPr>
+        <p:cNvPr id="1" name=""/>
+        <p:cNvGrpSpPr/>
+        <p:nvPr/>
+      </p:nvGrpSpPr>
+      <p:grpSpPr>
+        <a:xfrm>
+          <a:off x="0" y="0"/>
+          <a:ext cx="0" cy="0"/>
+          <a:chOff x="0" y="0"/>
+          <a:chExt cx="0" cy="0"/>
+        </a:xfrm>
+      </p:grpSpPr>
+      <p:sp>
+        <p:nvSpPr>
+          <p:cNvPr id="2" name="标题 1"/>
+          <p:cNvSpPr>
+            <a:spLocks noGrp="1"/>
+          </p:cNvSpPr>
+          <p:nvPr>
+            <p:ph type="title"/>
+          </p:nvPr>
+        </p:nvSpPr>
+        <p:spPr>
+          <a:xfrm>
+            <a:off x="357158" y="0"/>
+            <a:ext cx="8229600" cy="1143000"/>
+          </a:xfrm>
+        </p:spPr>
+        <p:txBody>
+          <a:bodyPr/>
+          <a:lstStyle/>
+          <a:p>
+            <a:r>
+              <a:rPr lang="zh-CN" altLang="en-US" dirty="0"/>
+              <a:t>使用</a:t>
+            </a:r>
+          </a:p>
+        </p:txBody>
+      </p:sp>
+      <p:sp>
+        <p:nvSpPr>
+          <p:cNvPr id="3" name="Rectangle 3"/>
+          <p:cNvSpPr txBox="1">
+            <a:spLocks noChangeArrowheads="1"/>
+          </p:cNvSpPr>
+          <p:nvPr/>
+        </p:nvSpPr>
+        <p:spPr bwMode="auto">
+          <a:xfrm>
+            <a:off x="321449" y="1143000"/>
+            <a:ext cx="8102958" cy="5526360"/>
+          </a:xfrm>
+          <a:prstGeom prst="rect">
+            <a:avLst/>
+          </a:prstGeom>
+          <a:noFill/>
+          <a:ln w="9525">
+            <a:noFill/>
+            <a:miter lim="800000"/>
+            <a:headEnd/>
+            <a:tailEnd/>
+          </a:ln>
+        </p:spPr>
+        <p:txBody>
+          <a:bodyPr vert="horz" wrap="square" lIns="91440" tIns="45720" rIns="91440" bIns="45720" numCol="1" anchor="t" anchorCtr="0" compatLnSpc="1">
+            <a:prstTxWarp prst="textNoShape">
+              <a:avLst/>
+            </a:prstTxWarp>
+          </a:bodyPr>
+          <a:lstStyle/>
+          <a:p>
+            <a:pPr marL="342900" indent="-342900" eaLnBrk="0" fontAlgn="ctr" hangingPunct="0">
+              <a:spcAft>
+                <a:spcPts val="400"/>
+              </a:spcAft>
+              <a:buSzPct val="70000"/>
+              <a:buFont typeface="Wingdings" pitchFamily="2" charset="2"/>
+              <a:buChar char="Ø"/>
+            </a:pPr>
+            <a:r>
+              <a:rPr lang="zh-CN" altLang="en-US" sz="3200" b="1" dirty="0"/>
+              <a:t>总线、</a:t>
+            </a:r>
+            <a:r>
+              <a:rPr lang="en-US" altLang="zh-CN" sz="3200" b="1" dirty="0"/>
+              <a:t>SAP</a:t>
+            </a:r>
+            <a:r>
+              <a:rPr lang="zh-CN" altLang="en-US" sz="3200" b="1" dirty="0"/>
+              <a:t>、</a:t>
+            </a:r>
+            <a:r>
+              <a:rPr lang="en-US" altLang="zh-CN" sz="3200" b="1" dirty="0"/>
+              <a:t>SPU</a:t>
+            </a:r>
+            <a:r>
+              <a:rPr lang="zh-CN" altLang="en-US" sz="3200" b="1" dirty="0"/>
+              <a:t>等可以在运行当中更改日志级别</a:t>
+            </a:r>
+            <a:r>
+              <a:rPr lang="en-US" altLang="zh-CN" sz="3200" b="1" dirty="0"/>
+              <a:t>   </a:t>
+            </a:r>
+          </a:p>
+          <a:p>
+            <a:pPr eaLnBrk="0" fontAlgn="ctr" hangingPunct="0">
+              <a:spcAft>
+                <a:spcPts val="400"/>
+              </a:spcAft>
+              <a:buSzPct val="70000"/>
+            </a:pPr>
+            <a:r>
+              <a:rPr lang="en-US" altLang="zh-CN" sz="3200" dirty="0"/>
+              <a:t>      </a:t>
+            </a:r>
+            <a:r>
+              <a:rPr lang="en-US" altLang="zh-CN" sz="3200" dirty="0" err="1"/>
+              <a:t>bfdreb</a:t>
+            </a:r>
+            <a:r>
+              <a:rPr lang="en-US" altLang="zh-CN" sz="3200" dirty="0"/>
+              <a:t>  -ml5      </a:t>
+            </a:r>
+            <a:r>
+              <a:rPr lang="zh-CN" altLang="en-US" sz="3200" dirty="0"/>
+              <a:t>修改日志级别为</a:t>
+            </a:r>
+            <a:r>
+              <a:rPr lang="en-US" altLang="zh-CN" sz="3200" dirty="0"/>
+              <a:t>5</a:t>
+            </a:r>
+          </a:p>
+          <a:p>
+            <a:pPr eaLnBrk="0" fontAlgn="ctr" hangingPunct="0">
+              <a:spcAft>
+                <a:spcPts val="400"/>
+              </a:spcAft>
+              <a:buSzPct val="70000"/>
+            </a:pPr>
+            <a:r>
+              <a:rPr lang="en-US" altLang="zh-CN" sz="3200" dirty="0"/>
+              <a:t>      </a:t>
+            </a:r>
+            <a:r>
+              <a:rPr lang="en-US" altLang="zh-CN" sz="3200" dirty="0" err="1"/>
+              <a:t>bfdreb</a:t>
+            </a:r>
+            <a:r>
+              <a:rPr lang="en-US" altLang="zh-CN" sz="3200" dirty="0"/>
+              <a:t>  –md5    </a:t>
+            </a:r>
+            <a:r>
+              <a:rPr lang="zh-CN" altLang="en-US" sz="3200" dirty="0"/>
+              <a:t>修改报文日志级别为</a:t>
+            </a:r>
+            <a:r>
+              <a:rPr lang="en-US" altLang="zh-CN" sz="3200" dirty="0"/>
+              <a:t>5</a:t>
+            </a:r>
+          </a:p>
+          <a:p>
+            <a:pPr marL="342900" indent="-342900" eaLnBrk="0" fontAlgn="ctr" hangingPunct="0">
+              <a:spcAft>
+                <a:spcPts val="400"/>
+              </a:spcAft>
+              <a:buSzPct val="70000"/>
+              <a:buFont typeface="Wingdings" pitchFamily="2" charset="2"/>
+              <a:buChar char="Ø"/>
+            </a:pPr>
+            <a:r>
+              <a:rPr lang="zh-CN" altLang="en-US" sz="3200" b="1" dirty="0"/>
+              <a:t>业务动态库中功能，有版本号，框架加载时，只保留版本最新的功能号进行注册。</a:t>
+            </a:r>
+            <a:endParaRPr lang="en-US" altLang="zh-CN" sz="3200" b="1" dirty="0"/>
+          </a:p>
+          <a:p>
+            <a:pPr marL="342900" indent="-342900" eaLnBrk="0" fontAlgn="ctr" hangingPunct="0">
+              <a:spcAft>
+                <a:spcPts val="400"/>
+              </a:spcAft>
+              <a:buSzPct val="70000"/>
+              <a:buFont typeface="Wingdings" pitchFamily="2" charset="2"/>
+              <a:buChar char="Ø"/>
+            </a:pPr>
+            <a:r>
+              <a:rPr lang="en-US" altLang="zh-CN" sz="3200" b="1" dirty="0"/>
+              <a:t>SAP</a:t>
+            </a:r>
+            <a:r>
+              <a:rPr lang="zh-CN" altLang="en-US" sz="3200" b="1" dirty="0"/>
+              <a:t>分派功能时，根据功能的优先级别，优先发派级别高的</a:t>
+            </a:r>
+            <a:endParaRPr lang="en-US" altLang="zh-CN" sz="3200" b="1" dirty="0"/>
+          </a:p>
+          <a:p>
+            <a:pPr marL="342900" indent="-342900" eaLnBrk="0" fontAlgn="ctr" hangingPunct="0">
+              <a:spcAft>
+                <a:spcPts val="400"/>
+              </a:spcAft>
+              <a:buSzPct val="70000"/>
+              <a:buFont typeface="Wingdings" pitchFamily="2" charset="2"/>
+              <a:buChar char="Ø"/>
+            </a:pPr>
+            <a:r>
+              <a:rPr lang="en-US" altLang="zh-CN" sz="3200" b="1" dirty="0" err="1"/>
+              <a:t>bfdaemon</a:t>
+            </a:r>
+            <a:r>
+              <a:rPr lang="en-US" altLang="zh-CN" sz="3200" b="1" dirty="0"/>
+              <a:t> </a:t>
+            </a:r>
+            <a:r>
+              <a:rPr lang="zh-CN" altLang="en-US" sz="3200" b="1" dirty="0"/>
+              <a:t>进程守护程序可以在程序</a:t>
+            </a:r>
+            <a:r>
+              <a:rPr lang="en-US" altLang="zh-CN" sz="3200" b="1" dirty="0"/>
+              <a:t>core</a:t>
+            </a:r>
+            <a:r>
+              <a:rPr lang="zh-CN" altLang="en-US" sz="3200" b="1" dirty="0"/>
+              <a:t>掉后自动拉起</a:t>
+            </a:r>
+            <a:endParaRPr lang="en-US" altLang="zh-CN" sz="3200" b="1" dirty="0"/>
+          </a:p>
+          <a:p>
+            <a:pPr marL="342900" indent="-342900" eaLnBrk="0" fontAlgn="ctr" hangingPunct="0">
+              <a:spcAft>
+                <a:spcPts val="400"/>
+              </a:spcAft>
+              <a:buSzPct val="70000"/>
+              <a:buFont typeface="Wingdings" pitchFamily="2" charset="2"/>
+              <a:buChar char="Ø"/>
+            </a:pPr>
+            <a:endParaRPr kumimoji="1" lang="en-US" altLang="zh-CN" sz="3200" dirty="0">
+              <a:ea typeface="黑体" pitchFamily="2" charset="-122"/>
+              <a:cs typeface="微软雅黑" charset="0"/>
+            </a:endParaRPr>
+          </a:p>
+        </p:txBody>
+      </p:sp>
+    </p:spTree>
+    <p:extLst>
+      <p:ext uri="{BB962C8B-B14F-4D97-AF65-F5344CB8AC3E}">
+        <p14:creationId xmlns:p14="http://schemas.microsoft.com/office/powerpoint/2010/main" val="2364350386"/>
+      </p:ext>
+    </p:extLst>
+  </p:cSld>
+  <p:clrMapOvr>
+    <a:masterClrMapping/>
+  </p:clrMapOvr>
+</p:sld>
+</file>
+
+<file path=ppt/slides/slide51.xml><?xml version="1.0" encoding="utf-8"?>
 <p:sld xmlns:a="http://schemas.openxmlformats.org/drawingml/2006/main" xmlns:r="http://schemas.openxmlformats.org/officeDocument/2006/relationships" xmlns:p="http://schemas.openxmlformats.org/presentationml/2006/main">
   <p:cSld>
     <p:spTree>
@@ -17488,7 +17693,7 @@
 </p:sld>
 </file>
 
-<file path=ppt/slides/slide51.xml><?xml version="1.0" encoding="utf-8"?>
+<file path=ppt/slides/slide52.xml><?xml version="1.0" encoding="utf-8"?>
 <p:sld xmlns:a="http://schemas.openxmlformats.org/drawingml/2006/main" xmlns:r="http://schemas.openxmlformats.org/officeDocument/2006/relationships" xmlns:p="http://schemas.openxmlformats.org/presentationml/2006/main">
   <p:cSld>
     <p:spTree>
@@ -17572,7 +17777,7 @@
 </p:sld>
 </file>
 
-<file path=ppt/slides/slide52.xml><?xml version="1.0" encoding="utf-8"?>
+<file path=ppt/slides/slide53.xml><?xml version="1.0" encoding="utf-8"?>
 <p:sld xmlns:a="http://schemas.openxmlformats.org/drawingml/2006/main" xmlns:r="http://schemas.openxmlformats.org/officeDocument/2006/relationships" xmlns:p="http://schemas.openxmlformats.org/presentationml/2006/main">
   <p:cSld>
     <p:spTree>
@@ -17658,7 +17863,7 @@
 </p:sld>
 </file>
 
-<file path=ppt/slides/slide53.xml><?xml version="1.0" encoding="utf-8"?>
+<file path=ppt/slides/slide54.xml><?xml version="1.0" encoding="utf-8"?>
 <p:sld xmlns:a="http://schemas.openxmlformats.org/drawingml/2006/main" xmlns:r="http://schemas.openxmlformats.org/officeDocument/2006/relationships" xmlns:p="http://schemas.openxmlformats.org/presentationml/2006/main">
   <p:cSld>
     <p:spTree>
@@ -17744,7 +17949,7 @@
 </p:sld>
 </file>
 
-<file path=ppt/slides/slide54.xml><?xml version="1.0" encoding="utf-8"?>
+<file path=ppt/slides/slide55.xml><?xml version="1.0" encoding="utf-8"?>
 <p:sld xmlns:a="http://schemas.openxmlformats.org/drawingml/2006/main" xmlns:r="http://schemas.openxmlformats.org/officeDocument/2006/relationships" xmlns:p="http://schemas.openxmlformats.org/presentationml/2006/main">
   <p:cSld>
     <p:spTree>
@@ -17830,7 +18035,7 @@
 </p:sld>
 </file>
 
-<file path=ppt/slides/slide55.xml><?xml version="1.0" encoding="utf-8"?>
+<file path=ppt/slides/slide56.xml><?xml version="1.0" encoding="utf-8"?>
 <p:sld xmlns:a="http://schemas.openxmlformats.org/drawingml/2006/main" xmlns:r="http://schemas.openxmlformats.org/officeDocument/2006/relationships" xmlns:p="http://schemas.openxmlformats.org/presentationml/2006/main">
   <p:cSld>
     <p:spTree>
@@ -17916,7 +18121,7 @@
 </p:sld>
 </file>
 
-<file path=ppt/slides/slide56.xml><?xml version="1.0" encoding="utf-8"?>
+<file path=ppt/slides/slide57.xml><?xml version="1.0" encoding="utf-8"?>
 <p:sld xmlns:a="http://schemas.openxmlformats.org/drawingml/2006/main" xmlns:r="http://schemas.openxmlformats.org/officeDocument/2006/relationships" xmlns:p="http://schemas.openxmlformats.org/presentationml/2006/main">
   <p:cSld>
     <p:spTree>
@@ -17981,12 +18186,12 @@
           <a:graphicData uri="http://schemas.openxmlformats.org/presentationml/2006/ole">
             <mc:AlternateContent xmlns:mc="http://schemas.openxmlformats.org/markup-compatibility/2006">
               <mc:Choice xmlns:v="urn:schemas-microsoft-com:vml" Requires="v">
-                <p:oleObj spid="_x0000_s140602" name="Visio" r:id="rId4" imgW="6124651" imgH="4092796" progId="Visio.Drawing.11">
+                <p:oleObj name="Visio" r:id="rId3" imgW="6124651" imgH="4092796" progId="Visio.Drawing.11">
                   <p:embed/>
                 </p:oleObj>
               </mc:Choice>
               <mc:Fallback>
-                <p:oleObj name="Visio" r:id="rId4" imgW="6124651" imgH="4092796" progId="Visio.Drawing.11">
+                <p:oleObj name="Visio" r:id="rId3" imgW="6124651" imgH="4092796" progId="Visio.Drawing.11">
                   <p:embed/>
                   <p:pic>
                     <p:nvPicPr>
@@ -17997,7 +18202,7 @@
                       <p:nvPr/>
                     </p:nvPicPr>
                     <p:blipFill>
-                      <a:blip r:embed="rId5">
+                      <a:blip r:embed="rId4">
                         <a:extLst>
                           <a:ext uri="{28A0092B-C50C-407E-A947-70E740481C1C}">
                             <a14:useLocalDpi xmlns:a14="http://schemas.microsoft.com/office/drawing/2010/main" val="0"/>
@@ -18088,7 +18293,7 @@
           <p:nvPr/>
         </p:nvPicPr>
         <p:blipFill>
-          <a:blip r:embed="rId6"/>
+          <a:blip r:embed="rId5"/>
           <a:stretch>
             <a:fillRect/>
           </a:stretch>
@@ -18111,7 +18316,7 @@
 </p:sld>
 </file>
 
-<file path=ppt/slides/slide57.xml><?xml version="1.0" encoding="utf-8"?>
+<file path=ppt/slides/slide58.xml><?xml version="1.0" encoding="utf-8"?>
 <p:sld xmlns:a="http://schemas.openxmlformats.org/drawingml/2006/main" xmlns:r="http://schemas.openxmlformats.org/officeDocument/2006/relationships" xmlns:p="http://schemas.openxmlformats.org/presentationml/2006/main">
   <p:cSld>
     <p:spTree>
@@ -18236,7 +18441,7 @@
 </p:sld>
 </file>
 
-<file path=ppt/slides/slide58.xml><?xml version="1.0" encoding="utf-8"?>
+<file path=ppt/slides/slide59.xml><?xml version="1.0" encoding="utf-8"?>
 <p:sld xmlns:a="http://schemas.openxmlformats.org/drawingml/2006/main" xmlns:r="http://schemas.openxmlformats.org/officeDocument/2006/relationships" xmlns:p="http://schemas.openxmlformats.org/presentationml/2006/main">
   <p:cSld>
     <p:spTree>
@@ -20157,12 +20362,12 @@
           <a:graphicData uri="http://schemas.openxmlformats.org/presentationml/2006/ole">
             <mc:AlternateContent xmlns:mc="http://schemas.openxmlformats.org/markup-compatibility/2006">
               <mc:Choice xmlns:v="urn:schemas-microsoft-com:vml" Requires="v">
-                <p:oleObj spid="_x0000_s141475" name="Visio" r:id="rId4" imgW="6124410" imgH="4092695" progId="Visio.Drawing.11">
+                <p:oleObj name="Visio" r:id="rId3" imgW="6124410" imgH="4092695" progId="Visio.Drawing.11">
                   <p:embed/>
                 </p:oleObj>
               </mc:Choice>
               <mc:Fallback>
-                <p:oleObj name="Visio" r:id="rId4" imgW="6124410" imgH="4092695" progId="Visio.Drawing.11">
+                <p:oleObj name="Visio" r:id="rId3" imgW="6124410" imgH="4092695" progId="Visio.Drawing.11">
                   <p:embed/>
                   <p:pic>
                     <p:nvPicPr>
@@ -20173,7 +20378,7 @@
                       <p:nvPr/>
                     </p:nvPicPr>
                     <p:blipFill>
-                      <a:blip r:embed="rId5">
+                      <a:blip r:embed="rId4">
                         <a:extLst>
                           <a:ext uri="{28A0092B-C50C-407E-A947-70E740481C1C}">
                             <a14:useLocalDpi xmlns:a14="http://schemas.microsoft.com/office/drawing/2010/main" val="0"/>
